--- a/Day_1/Lectures/Slides/Day_1_Lecture_Arch.pptx
+++ b/Day_1/Lectures/Slides/Day_1_Lecture_Arch.pptx
@@ -5,25 +5,29 @@
     <p:sldMasterId id="2147483648" r:id="rId1"/>
   </p:sldMasterIdLst>
   <p:notesMasterIdLst>
-    <p:notesMasterId r:id="rId18"/>
+    <p:notesMasterId r:id="rId22"/>
   </p:notesMasterIdLst>
   <p:sldIdLst>
     <p:sldId id="256" r:id="rId2"/>
     <p:sldId id="270" r:id="rId3"/>
-    <p:sldId id="257" r:id="rId4"/>
-    <p:sldId id="271" r:id="rId5"/>
-    <p:sldId id="272" r:id="rId6"/>
-    <p:sldId id="258" r:id="rId7"/>
-    <p:sldId id="259" r:id="rId8"/>
-    <p:sldId id="268" r:id="rId9"/>
-    <p:sldId id="267" r:id="rId10"/>
-    <p:sldId id="274" r:id="rId11"/>
-    <p:sldId id="261" r:id="rId12"/>
-    <p:sldId id="262" r:id="rId13"/>
-    <p:sldId id="263" r:id="rId14"/>
-    <p:sldId id="269" r:id="rId15"/>
-    <p:sldId id="266" r:id="rId16"/>
-    <p:sldId id="275" r:id="rId17"/>
+    <p:sldId id="276" r:id="rId4"/>
+    <p:sldId id="257" r:id="rId5"/>
+    <p:sldId id="277" r:id="rId6"/>
+    <p:sldId id="278" r:id="rId7"/>
+    <p:sldId id="279" r:id="rId8"/>
+    <p:sldId id="272" r:id="rId9"/>
+    <p:sldId id="271" r:id="rId10"/>
+    <p:sldId id="258" r:id="rId11"/>
+    <p:sldId id="259" r:id="rId12"/>
+    <p:sldId id="268" r:id="rId13"/>
+    <p:sldId id="267" r:id="rId14"/>
+    <p:sldId id="274" r:id="rId15"/>
+    <p:sldId id="261" r:id="rId16"/>
+    <p:sldId id="262" r:id="rId17"/>
+    <p:sldId id="263" r:id="rId18"/>
+    <p:sldId id="269" r:id="rId19"/>
+    <p:sldId id="266" r:id="rId20"/>
+    <p:sldId id="275" r:id="rId21"/>
   </p:sldIdLst>
   <p:sldSz cx="9144000" cy="6858000" type="screen4x3"/>
   <p:notesSz cx="6858000" cy="9144000"/>
@@ -207,7 +211,7 @@
           <a:p>
             <a:fld id="{9A0E6E77-3283-344D-9AC2-FD5DD182305F}" type="datetimeFigureOut">
               <a:rPr lang="en-US" smtClean="0"/>
-              <a:t>1/18/15</a:t>
+              <a:t>1/19/15</a:t>
             </a:fld>
             <a:endParaRPr lang="en-US"/>
           </a:p>
@@ -557,7 +561,7 @@
           <a:p>
             <a:fld id="{036A4C59-9997-D64D-B418-4F4AB05D75FD}" type="slidenum">
               <a:rPr lang="en-US" smtClean="0"/>
-              <a:t>3</a:t>
+              <a:t>4</a:t>
             </a:fld>
             <a:endParaRPr lang="en-US"/>
           </a:p>
@@ -567,6 +571,274 @@
     <p:extLst>
       <p:ext uri="{BB962C8B-B14F-4D97-AF65-F5344CB8AC3E}">
         <p14:creationId xmlns:p14="http://schemas.microsoft.com/office/powerpoint/2010/main" val="3433463145"/>
+      </p:ext>
+    </p:extLst>
+  </p:cSld>
+  <p:clrMapOvr>
+    <a:masterClrMapping/>
+  </p:clrMapOvr>
+</p:notes>
+</file>
+
+<file path=ppt/notesSlides/notesSlide10.xml><?xml version="1.0" encoding="utf-8"?>
+<p:notes xmlns:a="http://schemas.openxmlformats.org/drawingml/2006/main" xmlns:r="http://schemas.openxmlformats.org/officeDocument/2006/relationships" xmlns:p="http://schemas.openxmlformats.org/presentationml/2006/main">
+  <p:cSld>
+    <p:spTree>
+      <p:nvGrpSpPr>
+        <p:cNvPr id="1" name=""/>
+        <p:cNvGrpSpPr/>
+        <p:nvPr/>
+      </p:nvGrpSpPr>
+      <p:grpSpPr>
+        <a:xfrm>
+          <a:off x="0" y="0"/>
+          <a:ext cx="0" cy="0"/>
+          <a:chOff x="0" y="0"/>
+          <a:chExt cx="0" cy="0"/>
+        </a:xfrm>
+      </p:grpSpPr>
+      <p:sp>
+        <p:nvSpPr>
+          <p:cNvPr id="2" name="Slide Image Placeholder 1"/>
+          <p:cNvSpPr>
+            <a:spLocks noGrp="1" noRot="1" noChangeAspect="1"/>
+          </p:cNvSpPr>
+          <p:nvPr>
+            <p:ph type="sldImg"/>
+          </p:nvPr>
+        </p:nvSpPr>
+        <p:spPr/>
+      </p:sp>
+      <p:sp>
+        <p:nvSpPr>
+          <p:cNvPr id="3" name="Notes Placeholder 2"/>
+          <p:cNvSpPr>
+            <a:spLocks noGrp="1"/>
+          </p:cNvSpPr>
+          <p:nvPr>
+            <p:ph type="body" idx="1"/>
+          </p:nvPr>
+        </p:nvSpPr>
+        <p:spPr/>
+        <p:txBody>
+          <a:bodyPr/>
+          <a:lstStyle/>
+          <a:p>
+            <a:r>
+              <a:rPr lang="en-US" dirty="0" smtClean="0"/>
+              <a:t>Same exact </a:t>
+            </a:r>
+            <a:r>
+              <a:rPr lang="en-US" dirty="0" err="1" smtClean="0"/>
+              <a:t>banem</a:t>
+            </a:r>
+            <a:r>
+              <a:rPr lang="en-US" dirty="0" smtClean="0"/>
+              <a:t> </a:t>
+            </a:r>
+            <a:r>
+              <a:rPr lang="en-US" dirty="0" err="1" smtClean="0"/>
+              <a:t>aytgiyr</a:t>
+            </a:r>
+            <a:r>
+              <a:rPr lang="en-US" dirty="0" smtClean="0"/>
+              <a:t>  ,,,,, sketch</a:t>
+            </a:r>
+            <a:r>
+              <a:rPr lang="en-US" baseline="0" dirty="0" smtClean="0"/>
+              <a:t> for the painting,… but look at the date --- what is going on here? </a:t>
+            </a:r>
+          </a:p>
+          <a:p>
+            <a:endParaRPr lang="en-US" baseline="0" dirty="0" smtClean="0"/>
+          </a:p>
+          <a:p>
+            <a:r>
+              <a:rPr lang="en-US" dirty="0" smtClean="0"/>
+              <a:t>http://</a:t>
+            </a:r>
+            <a:r>
+              <a:rPr lang="en-US" dirty="0" err="1" smtClean="0"/>
+              <a:t>www.metmuseum.org</a:t>
+            </a:r>
+            <a:r>
+              <a:rPr lang="en-US" smtClean="0"/>
+              <a:t>/collection/the-collection-online/search/369777</a:t>
+            </a:r>
+            <a:endParaRPr lang="en-US"/>
+          </a:p>
+        </p:txBody>
+      </p:sp>
+      <p:sp>
+        <p:nvSpPr>
+          <p:cNvPr id="4" name="Slide Number Placeholder 3"/>
+          <p:cNvSpPr>
+            <a:spLocks noGrp="1"/>
+          </p:cNvSpPr>
+          <p:nvPr>
+            <p:ph type="sldNum" sz="quarter" idx="10"/>
+          </p:nvPr>
+        </p:nvSpPr>
+        <p:spPr/>
+        <p:txBody>
+          <a:bodyPr/>
+          <a:lstStyle/>
+          <a:p>
+            <a:fld id="{036A4C59-9997-D64D-B418-4F4AB05D75FD}" type="slidenum">
+              <a:rPr lang="en-US" smtClean="0"/>
+              <a:t>18</a:t>
+            </a:fld>
+            <a:endParaRPr lang="en-US"/>
+          </a:p>
+        </p:txBody>
+      </p:sp>
+    </p:spTree>
+    <p:extLst>
+      <p:ext uri="{BB962C8B-B14F-4D97-AF65-F5344CB8AC3E}">
+        <p14:creationId xmlns:p14="http://schemas.microsoft.com/office/powerpoint/2010/main" val="215258894"/>
+      </p:ext>
+    </p:extLst>
+  </p:cSld>
+  <p:clrMapOvr>
+    <a:masterClrMapping/>
+  </p:clrMapOvr>
+</p:notes>
+</file>
+
+<file path=ppt/notesSlides/notesSlide11.xml><?xml version="1.0" encoding="utf-8"?>
+<p:notes xmlns:a="http://schemas.openxmlformats.org/drawingml/2006/main" xmlns:r="http://schemas.openxmlformats.org/officeDocument/2006/relationships" xmlns:p="http://schemas.openxmlformats.org/presentationml/2006/main">
+  <p:cSld>
+    <p:spTree>
+      <p:nvGrpSpPr>
+        <p:cNvPr id="1" name=""/>
+        <p:cNvGrpSpPr/>
+        <p:nvPr/>
+      </p:nvGrpSpPr>
+      <p:grpSpPr>
+        <a:xfrm>
+          <a:off x="0" y="0"/>
+          <a:ext cx="0" cy="0"/>
+          <a:chOff x="0" y="0"/>
+          <a:chExt cx="0" cy="0"/>
+        </a:xfrm>
+      </p:grpSpPr>
+      <p:sp>
+        <p:nvSpPr>
+          <p:cNvPr id="2" name="Slide Image Placeholder 1"/>
+          <p:cNvSpPr>
+            <a:spLocks noGrp="1" noRot="1" noChangeAspect="1"/>
+          </p:cNvSpPr>
+          <p:nvPr>
+            <p:ph type="sldImg"/>
+          </p:nvPr>
+        </p:nvSpPr>
+        <p:spPr/>
+      </p:sp>
+      <p:sp>
+        <p:nvSpPr>
+          <p:cNvPr id="3" name="Notes Placeholder 2"/>
+          <p:cNvSpPr>
+            <a:spLocks noGrp="1"/>
+          </p:cNvSpPr>
+          <p:nvPr>
+            <p:ph type="body" idx="1"/>
+          </p:nvPr>
+        </p:nvSpPr>
+        <p:spPr/>
+        <p:txBody>
+          <a:bodyPr/>
+          <a:lstStyle/>
+          <a:p>
+            <a:r>
+              <a:rPr lang="en-US" dirty="0" smtClean="0"/>
+              <a:t>The important point about provenance – is that it is a communication act –</a:t>
+            </a:r>
+            <a:r>
+              <a:rPr lang="en-US" baseline="0" dirty="0" smtClean="0"/>
+              <a:t> </a:t>
+            </a:r>
+          </a:p>
+          <a:p>
+            <a:endParaRPr lang="en-US" baseline="0" dirty="0" smtClean="0"/>
+          </a:p>
+          <a:p>
+            <a:r>
+              <a:rPr lang="en-US" baseline="0" dirty="0" smtClean="0"/>
+              <a:t>At </a:t>
+            </a:r>
+            <a:r>
+              <a:rPr lang="en-US" baseline="0" dirty="0" err="1" smtClean="0"/>
+              <a:t>graunlar</a:t>
+            </a:r>
+            <a:r>
+              <a:rPr lang="en-US" baseline="0" dirty="0" smtClean="0"/>
+              <a:t> level like this it deals with content …. </a:t>
+            </a:r>
+          </a:p>
+          <a:p>
+            <a:endParaRPr lang="en-US" baseline="0" dirty="0" smtClean="0"/>
+          </a:p>
+          <a:p>
+            <a:r>
+              <a:rPr lang="en-US" baseline="0" dirty="0" smtClean="0"/>
+              <a:t>At a much higher level – when we think about content, context, and structure of scholarly records – we need to have a framework which models their lifecycle – </a:t>
+            </a:r>
+            <a:r>
+              <a:rPr lang="en-US" baseline="0" dirty="0" err="1" smtClean="0"/>
+              <a:t>acorss</a:t>
+            </a:r>
+            <a:r>
+              <a:rPr lang="en-US" baseline="0" dirty="0" smtClean="0"/>
+              <a:t> different contexts of planning, use, and reuse</a:t>
+            </a:r>
+            <a:r>
+              <a:rPr lang="en-US" baseline="0" dirty="0" smtClean="0"/>
+              <a:t>.</a:t>
+            </a:r>
+          </a:p>
+          <a:p>
+            <a:endParaRPr lang="en-US" baseline="0" dirty="0" smtClean="0"/>
+          </a:p>
+          <a:p>
+            <a:r>
+              <a:rPr lang="en-US" baseline="0" dirty="0" smtClean="0"/>
+              <a:t>So in a data centric world, we have to evolve away from the ISO 15489 standards – and move towards life cycles that are particular to research data …. And that is where Andrea is going </a:t>
+            </a:r>
+            <a:r>
+              <a:rPr lang="en-US" baseline="0" smtClean="0"/>
+              <a:t>to pick up. </a:t>
+            </a:r>
+            <a:endParaRPr lang="en-US" dirty="0"/>
+          </a:p>
+        </p:txBody>
+      </p:sp>
+      <p:sp>
+        <p:nvSpPr>
+          <p:cNvPr id="4" name="Slide Number Placeholder 3"/>
+          <p:cNvSpPr>
+            <a:spLocks noGrp="1"/>
+          </p:cNvSpPr>
+          <p:nvPr>
+            <p:ph type="sldNum" sz="quarter" idx="10"/>
+          </p:nvPr>
+        </p:nvSpPr>
+        <p:spPr/>
+        <p:txBody>
+          <a:bodyPr/>
+          <a:lstStyle/>
+          <a:p>
+            <a:fld id="{036A4C59-9997-D64D-B418-4F4AB05D75FD}" type="slidenum">
+              <a:rPr lang="en-US" smtClean="0"/>
+              <a:t>20</a:t>
+            </a:fld>
+            <a:endParaRPr lang="en-US"/>
+          </a:p>
+        </p:txBody>
+      </p:sp>
+    </p:spTree>
+    <p:extLst>
+      <p:ext uri="{BB962C8B-B14F-4D97-AF65-F5344CB8AC3E}">
+        <p14:creationId xmlns:p14="http://schemas.microsoft.com/office/powerpoint/2010/main" val="4173553334"/>
       </p:ext>
     </p:extLst>
   </p:cSld>
@@ -622,37 +894,11 @@
           <a:p>
             <a:r>
               <a:rPr lang="en-US" dirty="0" smtClean="0"/>
-              <a:t>Records are stored in boxes, described through finding aides,</a:t>
+              <a:t>These are high level definitions</a:t>
             </a:r>
             <a:r>
               <a:rPr lang="en-US" baseline="0" dirty="0" smtClean="0"/>
-              <a:t> and made available to scholars through an </a:t>
-            </a:r>
-            <a:r>
-              <a:rPr lang="en-US" baseline="0" dirty="0" err="1" smtClean="0"/>
-              <a:t>appontment</a:t>
-            </a:r>
-            <a:r>
-              <a:rPr lang="en-US" baseline="0" dirty="0" smtClean="0"/>
-              <a:t> </a:t>
-            </a:r>
-          </a:p>
-          <a:p>
-            <a:endParaRPr lang="en-US" baseline="0" dirty="0" smtClean="0"/>
-          </a:p>
-          <a:p>
-            <a:r>
-              <a:rPr lang="en-US" baseline="0" dirty="0" smtClean="0"/>
-              <a:t>In digital context of course we store records in a database, we describe them with metadata and we make the available to scholars via query languages</a:t>
-            </a:r>
-          </a:p>
-          <a:p>
-            <a:endParaRPr lang="en-US" baseline="0" dirty="0" smtClean="0"/>
-          </a:p>
-          <a:p>
-            <a:r>
-              <a:rPr lang="en-US" baseline="0" dirty="0" smtClean="0"/>
-              <a:t>So obviously – the context of our work is quite different. </a:t>
+              <a:t> from </a:t>
             </a:r>
             <a:endParaRPr lang="en-US" dirty="0"/>
           </a:p>
@@ -675,7 +921,7 @@
           <a:p>
             <a:fld id="{036A4C59-9997-D64D-B418-4F4AB05D75FD}" type="slidenum">
               <a:rPr lang="en-US" smtClean="0"/>
-              <a:t>4</a:t>
+              <a:t>5</a:t>
             </a:fld>
             <a:endParaRPr lang="en-US"/>
           </a:p>
@@ -684,7 +930,7 @@
     </p:spTree>
     <p:extLst>
       <p:ext uri="{BB962C8B-B14F-4D97-AF65-F5344CB8AC3E}">
-        <p14:creationId xmlns:p14="http://schemas.microsoft.com/office/powerpoint/2010/main" val="3713672522"/>
+        <p14:creationId xmlns:p14="http://schemas.microsoft.com/office/powerpoint/2010/main" val="2372048622"/>
       </p:ext>
     </p:extLst>
   </p:cSld>
@@ -739,9 +985,22 @@
           <a:lstStyle/>
           <a:p>
             <a:r>
-              <a:rPr lang="en-US" dirty="0" smtClean="0"/>
-              <a:t>Arrangement</a:t>
-            </a:r>
+              <a:rPr lang="en-US" baseline="0" dirty="0" smtClean="0"/>
+              <a:t>This </a:t>
+            </a:r>
+            <a:r>
+              <a:rPr lang="en-US" baseline="0" dirty="0" smtClean="0"/>
+              <a:t>idea is – similarly – important to data curation in that we want to focus on a scholarly </a:t>
+            </a:r>
+            <a:r>
+              <a:rPr lang="en-US" baseline="0" dirty="0" smtClean="0"/>
+              <a:t>record… again, this relies on our definition of data being a role played by an information object, and that role is evidence. </a:t>
+            </a:r>
+          </a:p>
+          <a:p>
+            <a:endParaRPr lang="en-US" baseline="0" dirty="0" smtClean="0"/>
+          </a:p>
+          <a:p>
             <a:endParaRPr lang="en-US" dirty="0"/>
           </a:p>
         </p:txBody>
@@ -763,7 +1022,7 @@
           <a:p>
             <a:fld id="{036A4C59-9997-D64D-B418-4F4AB05D75FD}" type="slidenum">
               <a:rPr lang="en-US" smtClean="0"/>
-              <a:t>5</a:t>
+              <a:t>7</a:t>
             </a:fld>
             <a:endParaRPr lang="en-US"/>
           </a:p>
@@ -772,7 +1031,7 @@
     </p:spTree>
     <p:extLst>
       <p:ext uri="{BB962C8B-B14F-4D97-AF65-F5344CB8AC3E}">
-        <p14:creationId xmlns:p14="http://schemas.microsoft.com/office/powerpoint/2010/main" val="973671347"/>
+        <p14:creationId xmlns:p14="http://schemas.microsoft.com/office/powerpoint/2010/main" val="3433463145"/>
       </p:ext>
     </p:extLst>
   </p:cSld>
@@ -828,7 +1087,7 @@
           <a:p>
             <a:r>
               <a:rPr lang="en-US" dirty="0" smtClean="0"/>
-              <a:t>We have the same </a:t>
+              <a:t>Arrangement</a:t>
             </a:r>
             <a:endParaRPr lang="en-US" dirty="0"/>
           </a:p>
@@ -851,7 +1110,7 @@
           <a:p>
             <a:fld id="{036A4C59-9997-D64D-B418-4F4AB05D75FD}" type="slidenum">
               <a:rPr lang="en-US" smtClean="0"/>
-              <a:t>7</a:t>
+              <a:t>8</a:t>
             </a:fld>
             <a:endParaRPr lang="en-US"/>
           </a:p>
@@ -860,7 +1119,7 @@
     </p:spTree>
     <p:extLst>
       <p:ext uri="{BB962C8B-B14F-4D97-AF65-F5344CB8AC3E}">
-        <p14:creationId xmlns:p14="http://schemas.microsoft.com/office/powerpoint/2010/main" val="2093713186"/>
+        <p14:creationId xmlns:p14="http://schemas.microsoft.com/office/powerpoint/2010/main" val="973671347"/>
       </p:ext>
     </p:extLst>
   </p:cSld>
@@ -914,6 +1173,40 @@
           <a:bodyPr/>
           <a:lstStyle/>
           <a:p>
+            <a:r>
+              <a:rPr lang="en-US" dirty="0" smtClean="0"/>
+              <a:t>Records are stored in boxes, described through finding aides,</a:t>
+            </a:r>
+            <a:r>
+              <a:rPr lang="en-US" baseline="0" dirty="0" smtClean="0"/>
+              <a:t> and made available to scholars through an </a:t>
+            </a:r>
+            <a:r>
+              <a:rPr lang="en-US" baseline="0" dirty="0" err="1" smtClean="0"/>
+              <a:t>appontment</a:t>
+            </a:r>
+            <a:r>
+              <a:rPr lang="en-US" baseline="0" dirty="0" smtClean="0"/>
+              <a:t> </a:t>
+            </a:r>
+          </a:p>
+          <a:p>
+            <a:endParaRPr lang="en-US" baseline="0" dirty="0" smtClean="0"/>
+          </a:p>
+          <a:p>
+            <a:r>
+              <a:rPr lang="en-US" baseline="0" dirty="0" smtClean="0"/>
+              <a:t>In digital context of course we store records in a database, we describe them with metadata and we make the available to scholars via query languages</a:t>
+            </a:r>
+          </a:p>
+          <a:p>
+            <a:endParaRPr lang="en-US" baseline="0" dirty="0" smtClean="0"/>
+          </a:p>
+          <a:p>
+            <a:r>
+              <a:rPr lang="en-US" baseline="0" dirty="0" smtClean="0"/>
+              <a:t>So obviously – the context of our work is quite different. </a:t>
+            </a:r>
             <a:endParaRPr lang="en-US" dirty="0"/>
           </a:p>
         </p:txBody>
@@ -935,7 +1228,7 @@
           <a:p>
             <a:fld id="{036A4C59-9997-D64D-B418-4F4AB05D75FD}" type="slidenum">
               <a:rPr lang="en-US" smtClean="0"/>
-              <a:t>8</a:t>
+              <a:t>9</a:t>
             </a:fld>
             <a:endParaRPr lang="en-US"/>
           </a:p>
@@ -944,7 +1237,7 @@
     </p:spTree>
     <p:extLst>
       <p:ext uri="{BB962C8B-B14F-4D97-AF65-F5344CB8AC3E}">
-        <p14:creationId xmlns:p14="http://schemas.microsoft.com/office/powerpoint/2010/main" val="3828846923"/>
+        <p14:creationId xmlns:p14="http://schemas.microsoft.com/office/powerpoint/2010/main" val="3713672522"/>
       </p:ext>
     </p:extLst>
   </p:cSld>
@@ -1000,11 +1293,7 @@
           <a:p>
             <a:r>
               <a:rPr lang="en-US" dirty="0" smtClean="0"/>
-              <a:t>Will talk more about this on</a:t>
-            </a:r>
-            <a:r>
-              <a:rPr lang="en-US" baseline="0" dirty="0" smtClean="0"/>
-              <a:t> day three…. </a:t>
+              <a:t>We have the same </a:t>
             </a:r>
             <a:endParaRPr lang="en-US" dirty="0"/>
           </a:p>
@@ -1027,7 +1316,7 @@
           <a:p>
             <a:fld id="{036A4C59-9997-D64D-B418-4F4AB05D75FD}" type="slidenum">
               <a:rPr lang="en-US" smtClean="0"/>
-              <a:t>9</a:t>
+              <a:t>11</a:t>
             </a:fld>
             <a:endParaRPr lang="en-US"/>
           </a:p>
@@ -1036,7 +1325,7 @@
     </p:spTree>
     <p:extLst>
       <p:ext uri="{BB962C8B-B14F-4D97-AF65-F5344CB8AC3E}">
-        <p14:creationId xmlns:p14="http://schemas.microsoft.com/office/powerpoint/2010/main" val="2731562516"/>
+        <p14:creationId xmlns:p14="http://schemas.microsoft.com/office/powerpoint/2010/main" val="2093713186"/>
       </p:ext>
     </p:extLst>
   </p:cSld>
@@ -1090,43 +1379,6 @@
           <a:bodyPr/>
           <a:lstStyle/>
           <a:p>
-            <a:r>
-              <a:rPr lang="en-US" dirty="0" smtClean="0"/>
-              <a:t>This is less straight</a:t>
-            </a:r>
-            <a:r>
-              <a:rPr lang="en-US" baseline="0" dirty="0" smtClean="0"/>
-              <a:t> forward – we have information that is more general, deeper – and more difficult to put in machine readable formats for using </a:t>
-            </a:r>
-          </a:p>
-          <a:p>
-            <a:endParaRPr lang="en-US" baseline="0" dirty="0" smtClean="0"/>
-          </a:p>
-          <a:p>
-            <a:r>
-              <a:rPr lang="en-US" baseline="0" dirty="0" smtClean="0"/>
-              <a:t>Source: http://</a:t>
-            </a:r>
-            <a:r>
-              <a:rPr lang="en-US" baseline="0" dirty="0" err="1" smtClean="0"/>
-              <a:t>hoodmuseum.dartmouth.edu</a:t>
-            </a:r>
-            <a:r>
-              <a:rPr lang="en-US" baseline="0" dirty="0" smtClean="0"/>
-              <a:t>/collections/overview/</a:t>
-            </a:r>
-            <a:r>
-              <a:rPr lang="en-US" baseline="0" dirty="0" err="1" smtClean="0"/>
-              <a:t>europe</a:t>
-            </a:r>
-            <a:r>
-              <a:rPr lang="en-US" baseline="0" dirty="0" smtClean="0"/>
-              <a:t>/provenance/</a:t>
-            </a:r>
-            <a:r>
-              <a:rPr lang="en-US" baseline="0" dirty="0" err="1" smtClean="0"/>
-              <a:t>provenancesample.html</a:t>
-            </a:r>
             <a:endParaRPr lang="en-US" dirty="0"/>
           </a:p>
         </p:txBody>
@@ -1157,7 +1409,7 @@
     </p:spTree>
     <p:extLst>
       <p:ext uri="{BB962C8B-B14F-4D97-AF65-F5344CB8AC3E}">
-        <p14:creationId xmlns:p14="http://schemas.microsoft.com/office/powerpoint/2010/main" val="3994991024"/>
+        <p14:creationId xmlns:p14="http://schemas.microsoft.com/office/powerpoint/2010/main" val="3828846923"/>
       </p:ext>
     </p:extLst>
   </p:cSld>
@@ -1213,46 +1465,13 @@
           <a:p>
             <a:r>
               <a:rPr lang="en-US" dirty="0" smtClean="0"/>
-              <a:t>Same exact </a:t>
-            </a:r>
-            <a:r>
-              <a:rPr lang="en-US" dirty="0" err="1" smtClean="0"/>
-              <a:t>banem</a:t>
-            </a:r>
-            <a:r>
-              <a:rPr lang="en-US" dirty="0" smtClean="0"/>
-              <a:t> </a:t>
-            </a:r>
-            <a:r>
-              <a:rPr lang="en-US" dirty="0" err="1" smtClean="0"/>
-              <a:t>aytgiyr</a:t>
-            </a:r>
-            <a:r>
-              <a:rPr lang="en-US" dirty="0" smtClean="0"/>
-              <a:t>  ,,,,, sketch</a:t>
+              <a:t>Will talk more about this on</a:t>
             </a:r>
             <a:r>
               <a:rPr lang="en-US" baseline="0" dirty="0" smtClean="0"/>
-              <a:t> for the painting,… but look at the date --- what is going on here? </a:t>
-            </a:r>
-          </a:p>
-          <a:p>
-            <a:endParaRPr lang="en-US" baseline="0" dirty="0" smtClean="0"/>
-          </a:p>
-          <a:p>
-            <a:r>
-              <a:rPr lang="en-US" dirty="0" smtClean="0"/>
-              <a:t>http://</a:t>
-            </a:r>
-            <a:r>
-              <a:rPr lang="en-US" dirty="0" err="1" smtClean="0"/>
-              <a:t>www.metmuseum.org</a:t>
-            </a:r>
-            <a:r>
-              <a:rPr lang="en-US" smtClean="0"/>
-              <a:t>/collection/the-collection-online/search/369777</a:t>
-            </a:r>
-            <a:endParaRPr lang="en-US"/>
+              <a:t> day three…. </a:t>
+            </a:r>
+            <a:endParaRPr lang="en-US" dirty="0"/>
           </a:p>
         </p:txBody>
       </p:sp>
@@ -1273,7 +1492,7 @@
           <a:p>
             <a:fld id="{036A4C59-9997-D64D-B418-4F4AB05D75FD}" type="slidenum">
               <a:rPr lang="en-US" smtClean="0"/>
-              <a:t>14</a:t>
+              <a:t>13</a:t>
             </a:fld>
             <a:endParaRPr lang="en-US"/>
           </a:p>
@@ -1282,7 +1501,7 @@
     </p:spTree>
     <p:extLst>
       <p:ext uri="{BB962C8B-B14F-4D97-AF65-F5344CB8AC3E}">
-        <p14:creationId xmlns:p14="http://schemas.microsoft.com/office/powerpoint/2010/main" val="215258894"/>
+        <p14:creationId xmlns:p14="http://schemas.microsoft.com/office/powerpoint/2010/main" val="2731562516"/>
       </p:ext>
     </p:extLst>
   </p:cSld>
@@ -1338,11 +1557,11 @@
           <a:p>
             <a:r>
               <a:rPr lang="en-US" dirty="0" smtClean="0"/>
-              <a:t>The important point about provenance – is that it is a communication act –</a:t>
+              <a:t>This is less straight</a:t>
             </a:r>
             <a:r>
               <a:rPr lang="en-US" baseline="0" dirty="0" smtClean="0"/>
-              <a:t> </a:t>
+              <a:t> forward – we have information that is more general, deeper – and more difficult to put in machine readable formats for using </a:t>
             </a:r>
           </a:p>
           <a:p>
@@ -1351,32 +1570,27 @@
           <a:p>
             <a:r>
               <a:rPr lang="en-US" baseline="0" dirty="0" smtClean="0"/>
-              <a:t>At </a:t>
+              <a:t>Source: http://</a:t>
             </a:r>
             <a:r>
               <a:rPr lang="en-US" baseline="0" dirty="0" err="1" smtClean="0"/>
-              <a:t>graunlar</a:t>
+              <a:t>hoodmuseum.dartmouth.edu</a:t>
             </a:r>
             <a:r>
               <a:rPr lang="en-US" baseline="0" dirty="0" smtClean="0"/>
-              <a:t> level like this it deals with content …. </a:t>
-            </a:r>
-          </a:p>
-          <a:p>
-            <a:endParaRPr lang="en-US" baseline="0" dirty="0" smtClean="0"/>
-          </a:p>
-          <a:p>
+              <a:t>/collections/overview/</a:t>
+            </a:r>
+            <a:r>
+              <a:rPr lang="en-US" baseline="0" dirty="0" err="1" smtClean="0"/>
+              <a:t>europe</a:t>
+            </a:r>
             <a:r>
               <a:rPr lang="en-US" baseline="0" dirty="0" smtClean="0"/>
-              <a:t>At a much higher level – when we think about content, context, and structure of scholarly records – we need to have a framework which models their lifecycle – </a:t>
+              <a:t>/provenance/</a:t>
             </a:r>
             <a:r>
               <a:rPr lang="en-US" baseline="0" dirty="0" err="1" smtClean="0"/>
-              <a:t>acorss</a:t>
-            </a:r>
-            <a:r>
-              <a:rPr lang="en-US" baseline="0" dirty="0" smtClean="0"/>
-              <a:t> different contexts of planning, use, and reuse. </a:t>
+              <a:t>provenancesample.html</a:t>
             </a:r>
             <a:endParaRPr lang="en-US" dirty="0"/>
           </a:p>
@@ -1408,7 +1622,7 @@
     </p:spTree>
     <p:extLst>
       <p:ext uri="{BB962C8B-B14F-4D97-AF65-F5344CB8AC3E}">
-        <p14:creationId xmlns:p14="http://schemas.microsoft.com/office/powerpoint/2010/main" val="4173553334"/>
+        <p14:creationId xmlns:p14="http://schemas.microsoft.com/office/powerpoint/2010/main" val="3994991024"/>
       </p:ext>
     </p:extLst>
   </p:cSld>
@@ -1599,7 +1813,7 @@
           <a:p>
             <a:fld id="{9D6228D5-5F93-BB4A-964B-203967C46295}" type="datetimeFigureOut">
               <a:rPr lang="en-US" smtClean="0"/>
-              <a:t>1/18/15</a:t>
+              <a:t>1/19/15</a:t>
             </a:fld>
             <a:endParaRPr lang="en-US"/>
           </a:p>
@@ -1769,7 +1983,7 @@
           <a:p>
             <a:fld id="{9D6228D5-5F93-BB4A-964B-203967C46295}" type="datetimeFigureOut">
               <a:rPr lang="en-US" smtClean="0"/>
-              <a:t>1/18/15</a:t>
+              <a:t>1/19/15</a:t>
             </a:fld>
             <a:endParaRPr lang="en-US"/>
           </a:p>
@@ -1949,7 +2163,7 @@
           <a:p>
             <a:fld id="{9D6228D5-5F93-BB4A-964B-203967C46295}" type="datetimeFigureOut">
               <a:rPr lang="en-US" smtClean="0"/>
-              <a:t>1/18/15</a:t>
+              <a:t>1/19/15</a:t>
             </a:fld>
             <a:endParaRPr lang="en-US"/>
           </a:p>
@@ -2119,7 +2333,7 @@
           <a:p>
             <a:fld id="{9D6228D5-5F93-BB4A-964B-203967C46295}" type="datetimeFigureOut">
               <a:rPr lang="en-US" smtClean="0"/>
-              <a:t>1/18/15</a:t>
+              <a:t>1/19/15</a:t>
             </a:fld>
             <a:endParaRPr lang="en-US"/>
           </a:p>
@@ -2365,7 +2579,7 @@
           <a:p>
             <a:fld id="{9D6228D5-5F93-BB4A-964B-203967C46295}" type="datetimeFigureOut">
               <a:rPr lang="en-US" smtClean="0"/>
-              <a:t>1/18/15</a:t>
+              <a:t>1/19/15</a:t>
             </a:fld>
             <a:endParaRPr lang="en-US"/>
           </a:p>
@@ -2653,7 +2867,7 @@
           <a:p>
             <a:fld id="{9D6228D5-5F93-BB4A-964B-203967C46295}" type="datetimeFigureOut">
               <a:rPr lang="en-US" smtClean="0"/>
-              <a:t>1/18/15</a:t>
+              <a:t>1/19/15</a:t>
             </a:fld>
             <a:endParaRPr lang="en-US"/>
           </a:p>
@@ -3075,7 +3289,7 @@
           <a:p>
             <a:fld id="{9D6228D5-5F93-BB4A-964B-203967C46295}" type="datetimeFigureOut">
               <a:rPr lang="en-US" smtClean="0"/>
-              <a:t>1/18/15</a:t>
+              <a:t>1/19/15</a:t>
             </a:fld>
             <a:endParaRPr lang="en-US"/>
           </a:p>
@@ -3193,7 +3407,7 @@
           <a:p>
             <a:fld id="{9D6228D5-5F93-BB4A-964B-203967C46295}" type="datetimeFigureOut">
               <a:rPr lang="en-US" smtClean="0"/>
-              <a:t>1/18/15</a:t>
+              <a:t>1/19/15</a:t>
             </a:fld>
             <a:endParaRPr lang="en-US"/>
           </a:p>
@@ -3288,7 +3502,7 @@
           <a:p>
             <a:fld id="{9D6228D5-5F93-BB4A-964B-203967C46295}" type="datetimeFigureOut">
               <a:rPr lang="en-US" smtClean="0"/>
-              <a:t>1/18/15</a:t>
+              <a:t>1/19/15</a:t>
             </a:fld>
             <a:endParaRPr lang="en-US"/>
           </a:p>
@@ -3565,7 +3779,7 @@
           <a:p>
             <a:fld id="{9D6228D5-5F93-BB4A-964B-203967C46295}" type="datetimeFigureOut">
               <a:rPr lang="en-US" smtClean="0"/>
-              <a:t>1/18/15</a:t>
+              <a:t>1/19/15</a:t>
             </a:fld>
             <a:endParaRPr lang="en-US"/>
           </a:p>
@@ -3818,7 +4032,7 @@
           <a:p>
             <a:fld id="{9D6228D5-5F93-BB4A-964B-203967C46295}" type="datetimeFigureOut">
               <a:rPr lang="en-US" smtClean="0"/>
-              <a:t>1/18/15</a:t>
+              <a:t>1/19/15</a:t>
             </a:fld>
             <a:endParaRPr lang="en-US"/>
           </a:p>
@@ -4031,7 +4245,7 @@
           <a:p>
             <a:fld id="{9D6228D5-5F93-BB4A-964B-203967C46295}" type="datetimeFigureOut">
               <a:rPr lang="en-US" smtClean="0"/>
-              <a:t>1/18/15</a:t>
+              <a:t>1/19/15</a:t>
             </a:fld>
             <a:endParaRPr lang="en-US"/>
           </a:p>
@@ -4543,6 +4757,461 @@
             <p:ph type="title"/>
           </p:nvPr>
         </p:nvSpPr>
+        <p:spPr/>
+        <p:txBody>
+          <a:bodyPr/>
+          <a:lstStyle/>
+          <a:p>
+            <a:r>
+              <a:rPr lang="en-US" dirty="0" smtClean="0">
+                <a:solidFill>
+                  <a:schemeClr val="bg1">
+                    <a:lumMod val="85000"/>
+                  </a:schemeClr>
+                </a:solidFill>
+              </a:rPr>
+              <a:t>Content, </a:t>
+            </a:r>
+            <a:r>
+              <a:rPr lang="en-US" dirty="0" smtClean="0"/>
+              <a:t>Context</a:t>
+            </a:r>
+            <a:r>
+              <a:rPr lang="en-US" dirty="0" smtClean="0">
+                <a:solidFill>
+                  <a:schemeClr val="bg1">
+                    <a:lumMod val="85000"/>
+                  </a:schemeClr>
+                </a:solidFill>
+              </a:rPr>
+              <a:t>, and Structure</a:t>
+            </a:r>
+            <a:endParaRPr lang="en-US" dirty="0">
+              <a:solidFill>
+                <a:schemeClr val="bg1">
+                  <a:lumMod val="85000"/>
+                </a:schemeClr>
+              </a:solidFill>
+            </a:endParaRPr>
+          </a:p>
+        </p:txBody>
+      </p:sp>
+      <p:sp>
+        <p:nvSpPr>
+          <p:cNvPr id="3" name="Content Placeholder 2"/>
+          <p:cNvSpPr>
+            <a:spLocks noGrp="1"/>
+          </p:cNvSpPr>
+          <p:nvPr>
+            <p:ph idx="1"/>
+          </p:nvPr>
+        </p:nvSpPr>
+        <p:spPr/>
+        <p:txBody>
+          <a:bodyPr>
+            <a:normAutofit fontScale="92500" lnSpcReduction="20000"/>
+          </a:bodyPr>
+          <a:lstStyle/>
+          <a:p>
+            <a:pPr marL="0" indent="0">
+              <a:buNone/>
+            </a:pPr>
+            <a:r>
+              <a:rPr lang="en-US" dirty="0" smtClean="0"/>
+              <a:t>Provenance is about the context of a records production, use, and ownership. </a:t>
+            </a:r>
+          </a:p>
+          <a:p>
+            <a:pPr marL="0" indent="0">
+              <a:buNone/>
+            </a:pPr>
+            <a:endParaRPr lang="en-US" dirty="0"/>
+          </a:p>
+          <a:p>
+            <a:pPr marL="0" indent="0">
+              <a:buNone/>
+            </a:pPr>
+            <a:r>
+              <a:rPr lang="en-US" dirty="0" smtClean="0"/>
+              <a:t>In short  “…the significance of archival materials is heavily dependent on the context of their creation, and that the arrangement and description of these materials should be directly related to their original purpose and function.”  </a:t>
+            </a:r>
+          </a:p>
+          <a:p>
+            <a:pPr marL="0" indent="0">
+              <a:buNone/>
+            </a:pPr>
+            <a:endParaRPr lang="en-US" dirty="0"/>
+          </a:p>
+          <a:p>
+            <a:pPr marL="0" indent="0">
+              <a:buNone/>
+            </a:pPr>
+            <a:r>
+              <a:rPr lang="en-US" dirty="0" smtClean="0"/>
+              <a:t>		</a:t>
+            </a:r>
+            <a:endParaRPr lang="en-US" dirty="0"/>
+          </a:p>
+        </p:txBody>
+      </p:sp>
+    </p:spTree>
+    <p:extLst>
+      <p:ext uri="{BB962C8B-B14F-4D97-AF65-F5344CB8AC3E}">
+        <p14:creationId xmlns:p14="http://schemas.microsoft.com/office/powerpoint/2010/main" val="2231054809"/>
+      </p:ext>
+    </p:extLst>
+  </p:cSld>
+  <p:clrMapOvr>
+    <a:masterClrMapping/>
+  </p:clrMapOvr>
+  <p:timing>
+    <p:tnLst>
+      <p:par>
+        <p:cTn xmlns:p14="http://schemas.microsoft.com/office/powerpoint/2010/main" id="1" dur="indefinite" restart="never" nodeType="tmRoot"/>
+      </p:par>
+    </p:tnLst>
+  </p:timing>
+</p:sld>
+</file>
+
+<file path=ppt/slides/slide11.xml><?xml version="1.0" encoding="utf-8"?>
+<p:sld xmlns:a="http://schemas.openxmlformats.org/drawingml/2006/main" xmlns:r="http://schemas.openxmlformats.org/officeDocument/2006/relationships" xmlns:p="http://schemas.openxmlformats.org/presentationml/2006/main">
+  <p:cSld>
+    <p:spTree>
+      <p:nvGrpSpPr>
+        <p:cNvPr id="1" name=""/>
+        <p:cNvGrpSpPr/>
+        <p:nvPr/>
+      </p:nvGrpSpPr>
+      <p:grpSpPr>
+        <a:xfrm>
+          <a:off x="0" y="0"/>
+          <a:ext cx="0" cy="0"/>
+          <a:chOff x="0" y="0"/>
+          <a:chExt cx="0" cy="0"/>
+        </a:xfrm>
+      </p:grpSpPr>
+      <p:sp>
+        <p:nvSpPr>
+          <p:cNvPr id="2" name="Title 1"/>
+          <p:cNvSpPr>
+            <a:spLocks noGrp="1"/>
+          </p:cNvSpPr>
+          <p:nvPr>
+            <p:ph type="title"/>
+          </p:nvPr>
+        </p:nvSpPr>
+        <p:spPr/>
+        <p:txBody>
+          <a:bodyPr/>
+          <a:lstStyle/>
+          <a:p>
+            <a:r>
+              <a:rPr lang="en-US" dirty="0" smtClean="0"/>
+              <a:t>Provenance in Data Curation</a:t>
+            </a:r>
+            <a:endParaRPr lang="en-US" dirty="0"/>
+          </a:p>
+        </p:txBody>
+      </p:sp>
+      <p:sp>
+        <p:nvSpPr>
+          <p:cNvPr id="3" name="Content Placeholder 2"/>
+          <p:cNvSpPr>
+            <a:spLocks noGrp="1"/>
+          </p:cNvSpPr>
+          <p:nvPr>
+            <p:ph idx="1"/>
+          </p:nvPr>
+        </p:nvSpPr>
+        <p:spPr/>
+        <p:txBody>
+          <a:bodyPr/>
+          <a:lstStyle/>
+          <a:p>
+            <a:pPr marL="0" indent="0">
+              <a:buNone/>
+            </a:pPr>
+            <a:r>
+              <a:rPr lang="en-US" dirty="0" smtClean="0"/>
+              <a:t>Data provenance -  a type of metadata that “pertains to the derivation history of a data product starting from its original sources.”</a:t>
+            </a:r>
+          </a:p>
+          <a:p>
+            <a:pPr marL="0" indent="0">
+              <a:buNone/>
+            </a:pPr>
+            <a:r>
+              <a:rPr lang="en-US" dirty="0" smtClean="0"/>
+              <a:t>		(</a:t>
+            </a:r>
+            <a:r>
+              <a:rPr lang="en-US" dirty="0" err="1" smtClean="0"/>
+              <a:t>Simmhan</a:t>
+            </a:r>
+            <a:r>
+              <a:rPr lang="en-US" dirty="0" smtClean="0"/>
+              <a:t> </a:t>
+            </a:r>
+            <a:r>
+              <a:rPr lang="en-US" dirty="0" err="1" smtClean="0"/>
+              <a:t>Plale</a:t>
+            </a:r>
+            <a:r>
+              <a:rPr lang="en-US" dirty="0" smtClean="0"/>
+              <a:t> and Gannon, 2005)</a:t>
+            </a:r>
+            <a:endParaRPr lang="en-US" dirty="0"/>
+          </a:p>
+          <a:p>
+            <a:pPr marL="0" indent="0">
+              <a:buNone/>
+            </a:pPr>
+            <a:endParaRPr lang="en-US" dirty="0"/>
+          </a:p>
+        </p:txBody>
+      </p:sp>
+    </p:spTree>
+    <p:extLst>
+      <p:ext uri="{BB962C8B-B14F-4D97-AF65-F5344CB8AC3E}">
+        <p14:creationId xmlns:p14="http://schemas.microsoft.com/office/powerpoint/2010/main" val="1525482423"/>
+      </p:ext>
+    </p:extLst>
+  </p:cSld>
+  <p:clrMapOvr>
+    <a:masterClrMapping/>
+  </p:clrMapOvr>
+</p:sld>
+</file>
+
+<file path=ppt/slides/slide12.xml><?xml version="1.0" encoding="utf-8"?>
+<p:sld xmlns:a="http://schemas.openxmlformats.org/drawingml/2006/main" xmlns:r="http://schemas.openxmlformats.org/officeDocument/2006/relationships" xmlns:p="http://schemas.openxmlformats.org/presentationml/2006/main">
+  <p:cSld>
+    <p:spTree>
+      <p:nvGrpSpPr>
+        <p:cNvPr id="1" name=""/>
+        <p:cNvGrpSpPr/>
+        <p:nvPr/>
+      </p:nvGrpSpPr>
+      <p:grpSpPr>
+        <a:xfrm>
+          <a:off x="0" y="0"/>
+          <a:ext cx="0" cy="0"/>
+          <a:chOff x="0" y="0"/>
+          <a:chExt cx="0" cy="0"/>
+        </a:xfrm>
+      </p:grpSpPr>
+      <p:sp>
+        <p:nvSpPr>
+          <p:cNvPr id="2" name="Title 1"/>
+          <p:cNvSpPr>
+            <a:spLocks noGrp="1"/>
+          </p:cNvSpPr>
+          <p:nvPr>
+            <p:ph type="title"/>
+          </p:nvPr>
+        </p:nvSpPr>
+        <p:spPr/>
+        <p:txBody>
+          <a:bodyPr/>
+          <a:lstStyle/>
+          <a:p>
+            <a:r>
+              <a:rPr lang="en-US" dirty="0" smtClean="0"/>
+              <a:t>Data Provenance</a:t>
+            </a:r>
+            <a:endParaRPr lang="en-US" dirty="0"/>
+          </a:p>
+        </p:txBody>
+      </p:sp>
+      <p:sp>
+        <p:nvSpPr>
+          <p:cNvPr id="3" name="Content Placeholder 2"/>
+          <p:cNvSpPr>
+            <a:spLocks noGrp="1"/>
+          </p:cNvSpPr>
+          <p:nvPr>
+            <p:ph idx="1"/>
+          </p:nvPr>
+        </p:nvSpPr>
+        <p:spPr/>
+        <p:txBody>
+          <a:bodyPr/>
+          <a:lstStyle/>
+          <a:p>
+            <a:pPr marL="0" indent="0">
+              <a:buNone/>
+            </a:pPr>
+            <a:r>
+              <a:rPr lang="en-US" dirty="0" smtClean="0"/>
+              <a:t>“…information about entities, activities, and people involved in producing a piece of data or thing, which can be used to form assessments about its quality, reliability or trustworthiness.” 	</a:t>
+            </a:r>
+            <a:r>
+              <a:rPr lang="en-US" sz="1800" dirty="0" smtClean="0"/>
+              <a:t>W3C Provenance Incubator Group</a:t>
+            </a:r>
+            <a:endParaRPr lang="en-US" sz="1800" dirty="0"/>
+          </a:p>
+        </p:txBody>
+      </p:sp>
+      <p:sp>
+        <p:nvSpPr>
+          <p:cNvPr id="4" name="Rectangle 3"/>
+          <p:cNvSpPr/>
+          <p:nvPr/>
+        </p:nvSpPr>
+        <p:spPr>
+          <a:xfrm>
+            <a:off x="7339688" y="5402131"/>
+            <a:ext cx="1531188" cy="215444"/>
+          </a:xfrm>
+          <a:prstGeom prst="rect">
+            <a:avLst/>
+          </a:prstGeom>
+        </p:spPr>
+        <p:txBody>
+          <a:bodyPr wrap="none">
+            <a:spAutoFit/>
+          </a:bodyPr>
+          <a:lstStyle/>
+          <a:p>
+            <a:r>
+              <a:rPr lang="en-US" sz="800" dirty="0" smtClean="0"/>
+              <a:t>http://www.w3.org/TR/</a:t>
+            </a:r>
+            <a:r>
+              <a:rPr lang="en-US" sz="800" dirty="0" err="1" smtClean="0"/>
+              <a:t>prov-dm</a:t>
+            </a:r>
+            <a:r>
+              <a:rPr lang="en-US" sz="800" dirty="0" smtClean="0"/>
+              <a:t>/</a:t>
+            </a:r>
+            <a:endParaRPr lang="en-US" sz="800" dirty="0"/>
+          </a:p>
+        </p:txBody>
+      </p:sp>
+    </p:spTree>
+    <p:extLst>
+      <p:ext uri="{BB962C8B-B14F-4D97-AF65-F5344CB8AC3E}">
+        <p14:creationId xmlns:p14="http://schemas.microsoft.com/office/powerpoint/2010/main" val="524810525"/>
+      </p:ext>
+    </p:extLst>
+  </p:cSld>
+  <p:clrMapOvr>
+    <a:masterClrMapping/>
+  </p:clrMapOvr>
+</p:sld>
+</file>
+
+<file path=ppt/slides/slide13.xml><?xml version="1.0" encoding="utf-8"?>
+<p:sld xmlns:a="http://schemas.openxmlformats.org/drawingml/2006/main" xmlns:r="http://schemas.openxmlformats.org/officeDocument/2006/relationships" xmlns:p="http://schemas.openxmlformats.org/presentationml/2006/main">
+  <p:cSld>
+    <p:spTree>
+      <p:nvGrpSpPr>
+        <p:cNvPr id="1" name=""/>
+        <p:cNvGrpSpPr/>
+        <p:nvPr/>
+      </p:nvGrpSpPr>
+      <p:grpSpPr>
+        <a:xfrm>
+          <a:off x="0" y="0"/>
+          <a:ext cx="0" cy="0"/>
+          <a:chOff x="0" y="0"/>
+          <a:chExt cx="0" cy="0"/>
+        </a:xfrm>
+      </p:grpSpPr>
+      <p:sp>
+        <p:nvSpPr>
+          <p:cNvPr id="2" name="Title 1"/>
+          <p:cNvSpPr>
+            <a:spLocks noGrp="1"/>
+          </p:cNvSpPr>
+          <p:nvPr>
+            <p:ph type="title"/>
+          </p:nvPr>
+        </p:nvSpPr>
+        <p:spPr/>
+        <p:txBody>
+          <a:bodyPr/>
+          <a:lstStyle/>
+          <a:p>
+            <a:r>
+              <a:rPr lang="en-US" dirty="0" err="1" smtClean="0"/>
+              <a:t>Prov</a:t>
+            </a:r>
+            <a:r>
+              <a:rPr lang="en-US" dirty="0" smtClean="0"/>
+              <a:t>-O</a:t>
+            </a:r>
+            <a:endParaRPr lang="en-US" dirty="0"/>
+          </a:p>
+        </p:txBody>
+      </p:sp>
+      <p:pic>
+        <p:nvPicPr>
+          <p:cNvPr id="5" name="Picture 4"/>
+          <p:cNvPicPr>
+            <a:picLocks noChangeAspect="1"/>
+          </p:cNvPicPr>
+          <p:nvPr/>
+        </p:nvPicPr>
+        <p:blipFill>
+          <a:blip r:embed="rId3"/>
+          <a:stretch>
+            <a:fillRect/>
+          </a:stretch>
+        </p:blipFill>
+        <p:spPr>
+          <a:xfrm>
+            <a:off x="1852706" y="1650253"/>
+            <a:ext cx="4960471" cy="3064862"/>
+          </a:xfrm>
+          <a:prstGeom prst="rect">
+            <a:avLst/>
+          </a:prstGeom>
+        </p:spPr>
+      </p:pic>
+    </p:spTree>
+    <p:extLst>
+      <p:ext uri="{BB962C8B-B14F-4D97-AF65-F5344CB8AC3E}">
+        <p14:creationId xmlns:p14="http://schemas.microsoft.com/office/powerpoint/2010/main" val="716507826"/>
+      </p:ext>
+    </p:extLst>
+  </p:cSld>
+  <p:clrMapOvr>
+    <a:masterClrMapping/>
+  </p:clrMapOvr>
+</p:sld>
+</file>
+
+<file path=ppt/slides/slide14.xml><?xml version="1.0" encoding="utf-8"?>
+<p:sld xmlns:a="http://schemas.openxmlformats.org/drawingml/2006/main" xmlns:r="http://schemas.openxmlformats.org/officeDocument/2006/relationships" xmlns:p="http://schemas.openxmlformats.org/presentationml/2006/main">
+  <p:cSld>
+    <p:spTree>
+      <p:nvGrpSpPr>
+        <p:cNvPr id="1" name=""/>
+        <p:cNvGrpSpPr/>
+        <p:nvPr/>
+      </p:nvGrpSpPr>
+      <p:grpSpPr>
+        <a:xfrm>
+          <a:off x="0" y="0"/>
+          <a:ext cx="0" cy="0"/>
+          <a:chOff x="0" y="0"/>
+          <a:chExt cx="0" cy="0"/>
+        </a:xfrm>
+      </p:grpSpPr>
+      <p:sp>
+        <p:nvSpPr>
+          <p:cNvPr id="2" name="Title 1"/>
+          <p:cNvSpPr>
+            <a:spLocks noGrp="1"/>
+          </p:cNvSpPr>
+          <p:nvPr>
+            <p:ph type="title"/>
+          </p:nvPr>
+        </p:nvSpPr>
         <p:spPr>
           <a:xfrm>
             <a:off x="787861" y="2292965"/>
@@ -4574,7 +5243,7 @@
 </p:sld>
 </file>
 
-<file path=ppt/slides/slide11.xml><?xml version="1.0" encoding="utf-8"?>
+<file path=ppt/slides/slide15.xml><?xml version="1.0" encoding="utf-8"?>
 <p:sld xmlns:a="http://schemas.openxmlformats.org/drawingml/2006/main" xmlns:r="http://schemas.openxmlformats.org/officeDocument/2006/relationships" xmlns:p="http://schemas.openxmlformats.org/presentationml/2006/main">
   <p:cSld>
     <p:spTree>
@@ -4688,7 +5357,7 @@
 </p:sld>
 </file>
 
-<file path=ppt/slides/slide12.xml><?xml version="1.0" encoding="utf-8"?>
+<file path=ppt/slides/slide16.xml><?xml version="1.0" encoding="utf-8"?>
 <p:sld xmlns:a="http://schemas.openxmlformats.org/drawingml/2006/main" xmlns:r="http://schemas.openxmlformats.org/officeDocument/2006/relationships" xmlns:p="http://schemas.openxmlformats.org/presentationml/2006/main">
   <p:cSld>
     <p:spTree>
@@ -4811,7 +5480,7 @@
 </p:sld>
 </file>
 
-<file path=ppt/slides/slide13.xml><?xml version="1.0" encoding="utf-8"?>
+<file path=ppt/slides/slide17.xml><?xml version="1.0" encoding="utf-8"?>
 <p:sld xmlns:a="http://schemas.openxmlformats.org/drawingml/2006/main" xmlns:r="http://schemas.openxmlformats.org/officeDocument/2006/relationships" xmlns:p="http://schemas.openxmlformats.org/presentationml/2006/main">
   <p:cSld>
     <p:spTree>
@@ -5005,7 +5674,7 @@
 </p:sld>
 </file>
 
-<file path=ppt/slides/slide14.xml><?xml version="1.0" encoding="utf-8"?>
+<file path=ppt/slides/slide18.xml><?xml version="1.0" encoding="utf-8"?>
 <p:sld xmlns:a="http://schemas.openxmlformats.org/drawingml/2006/main" xmlns:r="http://schemas.openxmlformats.org/officeDocument/2006/relationships" xmlns:p="http://schemas.openxmlformats.org/presentationml/2006/main">
   <p:cSld>
     <p:spTree>
@@ -5103,7 +5772,7 @@
 </p:sld>
 </file>
 
-<file path=ppt/slides/slide15.xml><?xml version="1.0" encoding="utf-8"?>
+<file path=ppt/slides/slide19.xml><?xml version="1.0" encoding="utf-8"?>
 <p:sld xmlns:a="http://schemas.openxmlformats.org/drawingml/2006/main" xmlns:r="http://schemas.openxmlformats.org/officeDocument/2006/relationships" xmlns:p="http://schemas.openxmlformats.org/presentationml/2006/main">
   <p:cSld>
     <p:spTree>
@@ -5203,137 +5872,6 @@
     <p:extLst>
       <p:ext uri="{BB962C8B-B14F-4D97-AF65-F5344CB8AC3E}">
         <p14:creationId xmlns:p14="http://schemas.microsoft.com/office/powerpoint/2010/main" val="2953699087"/>
-      </p:ext>
-    </p:extLst>
-  </p:cSld>
-  <p:clrMapOvr>
-    <a:masterClrMapping/>
-  </p:clrMapOvr>
-</p:sld>
-</file>
-
-<file path=ppt/slides/slide16.xml><?xml version="1.0" encoding="utf-8"?>
-<p:sld xmlns:a="http://schemas.openxmlformats.org/drawingml/2006/main" xmlns:r="http://schemas.openxmlformats.org/officeDocument/2006/relationships" xmlns:p="http://schemas.openxmlformats.org/presentationml/2006/main">
-  <p:cSld>
-    <p:spTree>
-      <p:nvGrpSpPr>
-        <p:cNvPr id="1" name=""/>
-        <p:cNvGrpSpPr/>
-        <p:nvPr/>
-      </p:nvGrpSpPr>
-      <p:grpSpPr>
-        <a:xfrm>
-          <a:off x="0" y="0"/>
-          <a:ext cx="0" cy="0"/>
-          <a:chOff x="0" y="0"/>
-          <a:chExt cx="0" cy="0"/>
-        </a:xfrm>
-      </p:grpSpPr>
-      <p:sp>
-        <p:nvSpPr>
-          <p:cNvPr id="2" name="Title 1"/>
-          <p:cNvSpPr>
-            <a:spLocks noGrp="1"/>
-          </p:cNvSpPr>
-          <p:nvPr>
-            <p:ph type="title"/>
-          </p:nvPr>
-        </p:nvSpPr>
-        <p:spPr>
-          <a:xfrm>
-            <a:off x="457200" y="174857"/>
-            <a:ext cx="8229600" cy="1143000"/>
-          </a:xfrm>
-        </p:spPr>
-        <p:txBody>
-          <a:bodyPr/>
-          <a:lstStyle/>
-          <a:p>
-            <a:r>
-              <a:rPr lang="en-US" dirty="0" smtClean="0"/>
-              <a:t>Data Provenance </a:t>
-            </a:r>
-            <a:endParaRPr lang="en-US" dirty="0"/>
-          </a:p>
-        </p:txBody>
-      </p:sp>
-      <p:sp>
-        <p:nvSpPr>
-          <p:cNvPr id="3" name="Content Placeholder 2"/>
-          <p:cNvSpPr>
-            <a:spLocks noGrp="1"/>
-          </p:cNvSpPr>
-          <p:nvPr>
-            <p:ph idx="1"/>
-          </p:nvPr>
-        </p:nvSpPr>
-        <p:spPr>
-          <a:xfrm>
-            <a:off x="5645354" y="1417638"/>
-            <a:ext cx="3041445" cy="4525963"/>
-          </a:xfrm>
-        </p:spPr>
-        <p:txBody>
-          <a:bodyPr>
-            <a:normAutofit/>
-          </a:bodyPr>
-          <a:lstStyle/>
-          <a:p>
-            <a:pPr marL="0" indent="0">
-              <a:buNone/>
-            </a:pPr>
-            <a:r>
-              <a:rPr lang="en-US" sz="2400" dirty="0" smtClean="0"/>
-              <a:t>Creates  an </a:t>
-            </a:r>
-            <a:r>
-              <a:rPr lang="en-US" sz="2400" i="1" dirty="0" smtClean="0"/>
-              <a:t>executable </a:t>
-            </a:r>
-            <a:r>
-              <a:rPr lang="en-US" sz="2400" dirty="0" smtClean="0"/>
-              <a:t>workflow that tells us where the </a:t>
-            </a:r>
-            <a:r>
-              <a:rPr lang="en-US" sz="2400" b="1" dirty="0" smtClean="0"/>
-              <a:t>content</a:t>
-            </a:r>
-            <a:r>
-              <a:rPr lang="en-US" sz="2400" dirty="0" smtClean="0"/>
-              <a:t> comes from, how it is changed over time, and how those changes can be communicated to a user of the end product. </a:t>
-            </a:r>
-            <a:endParaRPr lang="en-US" sz="2400" dirty="0"/>
-          </a:p>
-        </p:txBody>
-      </p:sp>
-      <p:pic>
-        <p:nvPicPr>
-          <p:cNvPr id="4" name="Picture 3"/>
-          <p:cNvPicPr>
-            <a:picLocks noChangeAspect="1"/>
-          </p:cNvPicPr>
-          <p:nvPr/>
-        </p:nvPicPr>
-        <p:blipFill>
-          <a:blip r:embed="rId3"/>
-          <a:stretch>
-            <a:fillRect/>
-          </a:stretch>
-        </p:blipFill>
-        <p:spPr>
-          <a:xfrm>
-            <a:off x="352322" y="1417638"/>
-            <a:ext cx="4801420" cy="3921160"/>
-          </a:xfrm>
-          <a:prstGeom prst="rect">
-            <a:avLst/>
-          </a:prstGeom>
-        </p:spPr>
-      </p:pic>
-    </p:spTree>
-    <p:extLst>
-      <p:ext uri="{BB962C8B-B14F-4D97-AF65-F5344CB8AC3E}">
-        <p14:creationId xmlns:p14="http://schemas.microsoft.com/office/powerpoint/2010/main" val="3172617751"/>
       </p:ext>
     </p:extLst>
   </p:cSld>
@@ -5423,7 +5961,6 @@
               <a:rPr lang="en-US" dirty="0" smtClean="0"/>
               <a:t>Provenance</a:t>
             </a:r>
-            <a:endParaRPr lang="en-US" dirty="0" smtClean="0"/>
           </a:p>
         </p:txBody>
       </p:sp>
@@ -5431,6 +5968,173 @@
     <p:extLst>
       <p:ext uri="{BB962C8B-B14F-4D97-AF65-F5344CB8AC3E}">
         <p14:creationId xmlns:p14="http://schemas.microsoft.com/office/powerpoint/2010/main" val="3608693400"/>
+      </p:ext>
+    </p:extLst>
+  </p:cSld>
+  <p:clrMapOvr>
+    <a:masterClrMapping/>
+  </p:clrMapOvr>
+</p:sld>
+</file>
+
+<file path=ppt/slides/slide20.xml><?xml version="1.0" encoding="utf-8"?>
+<p:sld xmlns:a="http://schemas.openxmlformats.org/drawingml/2006/main" xmlns:r="http://schemas.openxmlformats.org/officeDocument/2006/relationships" xmlns:p="http://schemas.openxmlformats.org/presentationml/2006/main">
+  <p:cSld>
+    <p:spTree>
+      <p:nvGrpSpPr>
+        <p:cNvPr id="1" name=""/>
+        <p:cNvGrpSpPr/>
+        <p:nvPr/>
+      </p:nvGrpSpPr>
+      <p:grpSpPr>
+        <a:xfrm>
+          <a:off x="0" y="0"/>
+          <a:ext cx="0" cy="0"/>
+          <a:chOff x="0" y="0"/>
+          <a:chExt cx="0" cy="0"/>
+        </a:xfrm>
+      </p:grpSpPr>
+      <p:sp>
+        <p:nvSpPr>
+          <p:cNvPr id="2" name="Title 1"/>
+          <p:cNvSpPr>
+            <a:spLocks noGrp="1"/>
+          </p:cNvSpPr>
+          <p:nvPr>
+            <p:ph type="title"/>
+          </p:nvPr>
+        </p:nvSpPr>
+        <p:spPr>
+          <a:xfrm>
+            <a:off x="457200" y="174857"/>
+            <a:ext cx="8229600" cy="1143000"/>
+          </a:xfrm>
+        </p:spPr>
+        <p:txBody>
+          <a:bodyPr/>
+          <a:lstStyle/>
+          <a:p>
+            <a:r>
+              <a:rPr lang="en-US" dirty="0" smtClean="0"/>
+              <a:t>Data Provenance </a:t>
+            </a:r>
+            <a:endParaRPr lang="en-US" dirty="0"/>
+          </a:p>
+        </p:txBody>
+      </p:sp>
+      <p:sp>
+        <p:nvSpPr>
+          <p:cNvPr id="3" name="Content Placeholder 2"/>
+          <p:cNvSpPr>
+            <a:spLocks noGrp="1"/>
+          </p:cNvSpPr>
+          <p:nvPr>
+            <p:ph idx="1"/>
+          </p:nvPr>
+        </p:nvSpPr>
+        <p:spPr>
+          <a:xfrm>
+            <a:off x="5645354" y="1417638"/>
+            <a:ext cx="3041445" cy="4525963"/>
+          </a:xfrm>
+        </p:spPr>
+        <p:txBody>
+          <a:bodyPr>
+            <a:normAutofit/>
+          </a:bodyPr>
+          <a:lstStyle/>
+          <a:p>
+            <a:pPr marL="0" indent="0">
+              <a:buNone/>
+            </a:pPr>
+            <a:r>
+              <a:rPr lang="en-US" sz="2400" dirty="0" smtClean="0"/>
+              <a:t>Creates  an </a:t>
+            </a:r>
+            <a:r>
+              <a:rPr lang="en-US" sz="2400" i="1" dirty="0" smtClean="0"/>
+              <a:t>executable </a:t>
+            </a:r>
+            <a:r>
+              <a:rPr lang="en-US" sz="2400" dirty="0" smtClean="0"/>
+              <a:t>workflow that tells us where the </a:t>
+            </a:r>
+            <a:r>
+              <a:rPr lang="en-US" sz="2400" b="1" dirty="0" smtClean="0"/>
+              <a:t>content</a:t>
+            </a:r>
+            <a:r>
+              <a:rPr lang="en-US" sz="2400" dirty="0" smtClean="0"/>
+              <a:t> comes from, how it is changed over time, and how those changes can be communicated to a user of the end product. </a:t>
+            </a:r>
+            <a:endParaRPr lang="en-US" sz="2400" dirty="0"/>
+          </a:p>
+        </p:txBody>
+      </p:sp>
+      <p:pic>
+        <p:nvPicPr>
+          <p:cNvPr id="4" name="Picture 3"/>
+          <p:cNvPicPr>
+            <a:picLocks noChangeAspect="1"/>
+          </p:cNvPicPr>
+          <p:nvPr/>
+        </p:nvPicPr>
+        <p:blipFill>
+          <a:blip r:embed="rId3"/>
+          <a:stretch>
+            <a:fillRect/>
+          </a:stretch>
+        </p:blipFill>
+        <p:spPr>
+          <a:xfrm>
+            <a:off x="352322" y="1417638"/>
+            <a:ext cx="4801420" cy="3921160"/>
+          </a:xfrm>
+          <a:prstGeom prst="rect">
+            <a:avLst/>
+          </a:prstGeom>
+        </p:spPr>
+      </p:pic>
+      <p:sp>
+        <p:nvSpPr>
+          <p:cNvPr id="5" name="Rectangle 4"/>
+          <p:cNvSpPr/>
+          <p:nvPr/>
+        </p:nvSpPr>
+        <p:spPr>
+          <a:xfrm>
+            <a:off x="4572000" y="5338798"/>
+            <a:ext cx="4572000" cy="400110"/>
+          </a:xfrm>
+          <a:prstGeom prst="rect">
+            <a:avLst/>
+          </a:prstGeom>
+        </p:spPr>
+        <p:txBody>
+          <a:bodyPr>
+            <a:spAutoFit/>
+          </a:bodyPr>
+          <a:lstStyle/>
+          <a:p>
+            <a:r>
+              <a:rPr lang="en-US" sz="1000" dirty="0"/>
+              <a:t>http://www.dh2012.uni-hamburg.de/conference/</a:t>
+            </a:r>
+            <a:r>
+              <a:rPr lang="en-US" sz="1000" dirty="0" err="1"/>
+              <a:t>programme</a:t>
+            </a:r>
+            <a:r>
+              <a:rPr lang="en-US" sz="1000" dirty="0"/>
+              <a:t>/abstracts/rigeonet-a-lab-for-spatial-exploration-of-historical-data.1.html</a:t>
+            </a:r>
+          </a:p>
+        </p:txBody>
+      </p:sp>
+    </p:spTree>
+    <p:extLst>
+      <p:ext uri="{BB962C8B-B14F-4D97-AF65-F5344CB8AC3E}">
+        <p14:creationId xmlns:p14="http://schemas.microsoft.com/office/powerpoint/2010/main" val="3172617751"/>
       </p:ext>
     </p:extLst>
   </p:cSld>
@@ -5474,6 +6178,126 @@
           <a:p>
             <a:r>
               <a:rPr lang="en-US" dirty="0" smtClean="0"/>
+              <a:t>ISO 15489</a:t>
+            </a:r>
+            <a:endParaRPr lang="en-US" dirty="0"/>
+          </a:p>
+        </p:txBody>
+      </p:sp>
+      <p:sp>
+        <p:nvSpPr>
+          <p:cNvPr id="3" name="Content Placeholder 2"/>
+          <p:cNvSpPr>
+            <a:spLocks noGrp="1"/>
+          </p:cNvSpPr>
+          <p:nvPr>
+            <p:ph idx="1"/>
+          </p:nvPr>
+        </p:nvSpPr>
+        <p:spPr/>
+        <p:txBody>
+          <a:bodyPr/>
+          <a:lstStyle/>
+          <a:p>
+            <a:pPr>
+              <a:buFontTx/>
+              <a:buChar char="-"/>
+            </a:pPr>
+            <a:r>
+              <a:rPr lang="en-US" dirty="0" smtClean="0"/>
+              <a:t>Precedes the OAIS (and DCC lifecycle model) </a:t>
+            </a:r>
+          </a:p>
+          <a:p>
+            <a:pPr>
+              <a:buFontTx/>
+              <a:buChar char="-"/>
+            </a:pPr>
+            <a:r>
+              <a:rPr lang="en-US" dirty="0"/>
+              <a:t>P</a:t>
+            </a:r>
+            <a:r>
+              <a:rPr lang="en-US" dirty="0" smtClean="0"/>
+              <a:t>rovides </a:t>
+            </a:r>
+            <a:r>
+              <a:rPr lang="en-US" dirty="0"/>
+              <a:t>a high-level framework for records management workflow</a:t>
+            </a:r>
+            <a:r>
+              <a:rPr lang="en-US" dirty="0" smtClean="0"/>
+              <a:t>.</a:t>
+            </a:r>
+          </a:p>
+          <a:p>
+            <a:pPr>
+              <a:buFontTx/>
+              <a:buChar char="-"/>
+            </a:pPr>
+            <a:r>
+              <a:rPr lang="en-US" dirty="0" smtClean="0"/>
+              <a:t>Focuses on essential characteristics of a records: </a:t>
+            </a:r>
+            <a:r>
+              <a:rPr lang="en-US" dirty="0"/>
+              <a:t>authenticity, reliability, usability and </a:t>
+            </a:r>
+            <a:r>
+              <a:rPr lang="en-US" dirty="0" smtClean="0"/>
+              <a:t>integrity. </a:t>
+            </a:r>
+            <a:endParaRPr lang="en-US" dirty="0"/>
+          </a:p>
+        </p:txBody>
+      </p:sp>
+    </p:spTree>
+    <p:extLst>
+      <p:ext uri="{BB962C8B-B14F-4D97-AF65-F5344CB8AC3E}">
+        <p14:creationId xmlns:p14="http://schemas.microsoft.com/office/powerpoint/2010/main" val="1436797651"/>
+      </p:ext>
+    </p:extLst>
+  </p:cSld>
+  <p:clrMapOvr>
+    <a:masterClrMapping/>
+  </p:clrMapOvr>
+</p:sld>
+</file>
+
+<file path=ppt/slides/slide4.xml><?xml version="1.0" encoding="utf-8"?>
+<p:sld xmlns:a="http://schemas.openxmlformats.org/drawingml/2006/main" xmlns:r="http://schemas.openxmlformats.org/officeDocument/2006/relationships" xmlns:p="http://schemas.openxmlformats.org/presentationml/2006/main">
+  <p:cSld>
+    <p:spTree>
+      <p:nvGrpSpPr>
+        <p:cNvPr id="1" name=""/>
+        <p:cNvGrpSpPr/>
+        <p:nvPr/>
+      </p:nvGrpSpPr>
+      <p:grpSpPr>
+        <a:xfrm>
+          <a:off x="0" y="0"/>
+          <a:ext cx="0" cy="0"/>
+          <a:chOff x="0" y="0"/>
+          <a:chExt cx="0" cy="0"/>
+        </a:xfrm>
+      </p:grpSpPr>
+      <p:sp>
+        <p:nvSpPr>
+          <p:cNvPr id="2" name="Title 1"/>
+          <p:cNvSpPr>
+            <a:spLocks noGrp="1"/>
+          </p:cNvSpPr>
+          <p:nvPr>
+            <p:ph type="title"/>
+          </p:nvPr>
+        </p:nvSpPr>
+        <p:spPr/>
+        <p:txBody>
+          <a:bodyPr/>
+          <a:lstStyle/>
+          <a:p>
+            <a:r>
+              <a:rPr lang="en-US" dirty="0" smtClean="0"/>
               <a:t>The notion of a “record”</a:t>
             </a:r>
             <a:endParaRPr lang="en-US" dirty="0"/>
@@ -5575,7 +6399,525 @@
 </p:sld>
 </file>
 
-<file path=ppt/slides/slide4.xml><?xml version="1.0" encoding="utf-8"?>
+<file path=ppt/slides/slide5.xml><?xml version="1.0" encoding="utf-8"?>
+<p:sld xmlns:a="http://schemas.openxmlformats.org/drawingml/2006/main" xmlns:r="http://schemas.openxmlformats.org/officeDocument/2006/relationships" xmlns:p="http://schemas.openxmlformats.org/presentationml/2006/main">
+  <p:cSld>
+    <p:spTree>
+      <p:nvGrpSpPr>
+        <p:cNvPr id="1" name=""/>
+        <p:cNvGrpSpPr/>
+        <p:nvPr/>
+      </p:nvGrpSpPr>
+      <p:grpSpPr>
+        <a:xfrm>
+          <a:off x="0" y="0"/>
+          <a:ext cx="0" cy="0"/>
+          <a:chOff x="0" y="0"/>
+          <a:chExt cx="0" cy="0"/>
+        </a:xfrm>
+      </p:grpSpPr>
+      <p:sp>
+        <p:nvSpPr>
+          <p:cNvPr id="2" name="Title 1"/>
+          <p:cNvSpPr>
+            <a:spLocks noGrp="1"/>
+          </p:cNvSpPr>
+          <p:nvPr>
+            <p:ph type="title"/>
+          </p:nvPr>
+        </p:nvSpPr>
+        <p:spPr/>
+        <p:txBody>
+          <a:bodyPr>
+            <a:normAutofit fontScale="90000"/>
+          </a:bodyPr>
+          <a:lstStyle/>
+          <a:p>
+            <a:r>
+              <a:rPr lang="en-US" dirty="0" smtClean="0"/>
+              <a:t>ISO 15489: Authoritative Records</a:t>
+            </a:r>
+            <a:endParaRPr lang="en-US" dirty="0"/>
+          </a:p>
+        </p:txBody>
+      </p:sp>
+      <p:sp>
+        <p:nvSpPr>
+          <p:cNvPr id="3" name="Content Placeholder 2"/>
+          <p:cNvSpPr>
+            <a:spLocks noGrp="1"/>
+          </p:cNvSpPr>
+          <p:nvPr>
+            <p:ph idx="1"/>
+          </p:nvPr>
+        </p:nvSpPr>
+        <p:spPr>
+          <a:xfrm>
+            <a:off x="457200" y="1600200"/>
+            <a:ext cx="8229600" cy="3978729"/>
+          </a:xfrm>
+        </p:spPr>
+        <p:txBody>
+          <a:bodyPr>
+            <a:normAutofit fontScale="92500"/>
+          </a:bodyPr>
+          <a:lstStyle/>
+          <a:p>
+            <a:r>
+              <a:rPr lang="en-US" sz="2400" i="1" dirty="0"/>
+              <a:t>Authentic</a:t>
+            </a:r>
+            <a:r>
+              <a:rPr lang="en-US" sz="2400" dirty="0"/>
+              <a:t> — what the record purports to </a:t>
+            </a:r>
+            <a:r>
+              <a:rPr lang="en-US" sz="2400" dirty="0" smtClean="0"/>
+              <a:t>be to </a:t>
+            </a:r>
+            <a:r>
+              <a:rPr lang="en-US" sz="2400" dirty="0"/>
+              <a:t>have been created or sent by the purported </a:t>
+            </a:r>
+            <a:r>
+              <a:rPr lang="en-US" sz="2400" dirty="0" smtClean="0"/>
+              <a:t>person to </a:t>
+            </a:r>
+            <a:r>
+              <a:rPr lang="en-US" sz="2400" dirty="0"/>
+              <a:t>have been created or sent at the purported </a:t>
+            </a:r>
+            <a:r>
+              <a:rPr lang="en-US" sz="2400" dirty="0" smtClean="0"/>
+              <a:t>time</a:t>
+            </a:r>
+          </a:p>
+          <a:p>
+            <a:endParaRPr lang="en-US" sz="2400" dirty="0"/>
+          </a:p>
+          <a:p>
+            <a:r>
+              <a:rPr lang="en-US" sz="2400" i="1" dirty="0"/>
+              <a:t>Reliable</a:t>
+            </a:r>
+            <a:r>
+              <a:rPr lang="en-US" sz="2400" dirty="0"/>
+              <a:t> — trusted contents which accurately reflect the business transaction documented </a:t>
+            </a:r>
+            <a:endParaRPr lang="en-US" sz="2400" dirty="0" smtClean="0"/>
+          </a:p>
+          <a:p>
+            <a:endParaRPr lang="en-US" sz="2400" dirty="0" smtClean="0"/>
+          </a:p>
+          <a:p>
+            <a:r>
+              <a:rPr lang="en-US" sz="2400" i="1" dirty="0" smtClean="0"/>
+              <a:t>Have </a:t>
+            </a:r>
+            <a:r>
+              <a:rPr lang="en-US" sz="2400" i="1" dirty="0"/>
+              <a:t>integrity</a:t>
+            </a:r>
+            <a:r>
+              <a:rPr lang="en-US" sz="2400" dirty="0"/>
+              <a:t> — complete and </a:t>
+            </a:r>
+            <a:r>
+              <a:rPr lang="en-US" sz="2400" dirty="0" smtClean="0"/>
+              <a:t>unaltered</a:t>
+            </a:r>
+            <a:br>
+              <a:rPr lang="en-US" sz="2400" dirty="0" smtClean="0"/>
+            </a:br>
+            <a:endParaRPr lang="en-US" sz="2400" dirty="0" smtClean="0"/>
+          </a:p>
+          <a:p>
+            <a:r>
+              <a:rPr lang="en-US" sz="2400" i="1" dirty="0" smtClean="0"/>
+              <a:t>Useable</a:t>
+            </a:r>
+            <a:r>
+              <a:rPr lang="en-US" sz="2400" dirty="0" smtClean="0"/>
+              <a:t> </a:t>
+            </a:r>
+            <a:r>
+              <a:rPr lang="en-US" sz="2400" dirty="0"/>
+              <a:t>— can be located, retrieved, presented and </a:t>
+            </a:r>
+            <a:r>
+              <a:rPr lang="en-US" sz="2400" dirty="0" smtClean="0"/>
+              <a:t>interpreted. </a:t>
+            </a:r>
+            <a:endParaRPr lang="en-US" sz="2400" dirty="0"/>
+          </a:p>
+        </p:txBody>
+      </p:sp>
+    </p:spTree>
+    <p:extLst>
+      <p:ext uri="{BB962C8B-B14F-4D97-AF65-F5344CB8AC3E}">
+        <p14:creationId xmlns:p14="http://schemas.microsoft.com/office/powerpoint/2010/main" val="4035276072"/>
+      </p:ext>
+    </p:extLst>
+  </p:cSld>
+  <p:clrMapOvr>
+    <a:masterClrMapping/>
+  </p:clrMapOvr>
+</p:sld>
+</file>
+
+<file path=ppt/slides/slide6.xml><?xml version="1.0" encoding="utf-8"?>
+<p:sld xmlns:a="http://schemas.openxmlformats.org/drawingml/2006/main" xmlns:r="http://schemas.openxmlformats.org/officeDocument/2006/relationships" xmlns:p="http://schemas.openxmlformats.org/presentationml/2006/main">
+  <p:cSld>
+    <p:spTree>
+      <p:nvGrpSpPr>
+        <p:cNvPr id="1" name=""/>
+        <p:cNvGrpSpPr/>
+        <p:nvPr/>
+      </p:nvGrpSpPr>
+      <p:grpSpPr>
+        <a:xfrm>
+          <a:off x="0" y="0"/>
+          <a:ext cx="0" cy="0"/>
+          <a:chOff x="0" y="0"/>
+          <a:chExt cx="0" cy="0"/>
+        </a:xfrm>
+      </p:grpSpPr>
+      <p:sp>
+        <p:nvSpPr>
+          <p:cNvPr id="2" name="Title 1"/>
+          <p:cNvSpPr>
+            <a:spLocks noGrp="1"/>
+          </p:cNvSpPr>
+          <p:nvPr>
+            <p:ph type="title"/>
+          </p:nvPr>
+        </p:nvSpPr>
+        <p:spPr/>
+        <p:txBody>
+          <a:bodyPr/>
+          <a:lstStyle/>
+          <a:p>
+            <a:r>
+              <a:rPr lang="en-US" dirty="0" smtClean="0"/>
+              <a:t>Model of RM Workflow</a:t>
+            </a:r>
+            <a:endParaRPr lang="en-US" dirty="0"/>
+          </a:p>
+        </p:txBody>
+      </p:sp>
+      <p:pic>
+        <p:nvPicPr>
+          <p:cNvPr id="4" name="Picture 3" descr="Screen Shot 2015-01-19 at 10.16.57 AM.png"/>
+          <p:cNvPicPr>
+            <a:picLocks noChangeAspect="1"/>
+          </p:cNvPicPr>
+          <p:nvPr/>
+        </p:nvPicPr>
+        <p:blipFill>
+          <a:blip r:embed="rId2">
+            <a:extLst>
+              <a:ext uri="{28A0092B-C50C-407E-A947-70E740481C1C}">
+                <a14:useLocalDpi xmlns:a14="http://schemas.microsoft.com/office/drawing/2010/main" val="0"/>
+              </a:ext>
+            </a:extLst>
+          </a:blip>
+          <a:stretch>
+            <a:fillRect/>
+          </a:stretch>
+        </p:blipFill>
+        <p:spPr>
+          <a:xfrm>
+            <a:off x="1669143" y="1558472"/>
+            <a:ext cx="6159500" cy="4013200"/>
+          </a:xfrm>
+          <a:prstGeom prst="rect">
+            <a:avLst/>
+          </a:prstGeom>
+        </p:spPr>
+      </p:pic>
+    </p:spTree>
+    <p:extLst>
+      <p:ext uri="{BB962C8B-B14F-4D97-AF65-F5344CB8AC3E}">
+        <p14:creationId xmlns:p14="http://schemas.microsoft.com/office/powerpoint/2010/main" val="3358759227"/>
+      </p:ext>
+    </p:extLst>
+  </p:cSld>
+  <p:clrMapOvr>
+    <a:masterClrMapping/>
+  </p:clrMapOvr>
+</p:sld>
+</file>
+
+<file path=ppt/slides/slide7.xml><?xml version="1.0" encoding="utf-8"?>
+<p:sld xmlns:a="http://schemas.openxmlformats.org/drawingml/2006/main" xmlns:r="http://schemas.openxmlformats.org/officeDocument/2006/relationships" xmlns:p="http://schemas.openxmlformats.org/presentationml/2006/main">
+  <p:cSld>
+    <p:spTree>
+      <p:nvGrpSpPr>
+        <p:cNvPr id="1" name=""/>
+        <p:cNvGrpSpPr/>
+        <p:nvPr/>
+      </p:nvGrpSpPr>
+      <p:grpSpPr>
+        <a:xfrm>
+          <a:off x="0" y="0"/>
+          <a:ext cx="0" cy="0"/>
+          <a:chOff x="0" y="0"/>
+          <a:chExt cx="0" cy="0"/>
+        </a:xfrm>
+      </p:grpSpPr>
+      <p:sp>
+        <p:nvSpPr>
+          <p:cNvPr id="2" name="Title 1"/>
+          <p:cNvSpPr>
+            <a:spLocks noGrp="1"/>
+          </p:cNvSpPr>
+          <p:nvPr>
+            <p:ph type="title"/>
+          </p:nvPr>
+        </p:nvSpPr>
+        <p:spPr/>
+        <p:txBody>
+          <a:bodyPr/>
+          <a:lstStyle/>
+          <a:p>
+            <a:r>
+              <a:rPr lang="en-US" dirty="0" smtClean="0"/>
+              <a:t>The notion of a “record”</a:t>
+            </a:r>
+            <a:endParaRPr lang="en-US" dirty="0"/>
+          </a:p>
+        </p:txBody>
+      </p:sp>
+      <p:sp>
+        <p:nvSpPr>
+          <p:cNvPr id="3" name="Content Placeholder 2"/>
+          <p:cNvSpPr>
+            <a:spLocks noGrp="1"/>
+          </p:cNvSpPr>
+          <p:nvPr>
+            <p:ph idx="1"/>
+          </p:nvPr>
+        </p:nvSpPr>
+        <p:spPr/>
+        <p:txBody>
+          <a:bodyPr/>
+          <a:lstStyle/>
+          <a:p>
+            <a:pPr marL="0" indent="0">
+              <a:buNone/>
+            </a:pPr>
+            <a:r>
+              <a:rPr lang="en-US" dirty="0" smtClean="0"/>
+              <a:t>“data or information fixed on some medium which has </a:t>
+            </a:r>
+            <a:r>
+              <a:rPr lang="en-US" i="1" dirty="0" smtClean="0"/>
+              <a:t>content</a:t>
+            </a:r>
+            <a:r>
+              <a:rPr lang="en-US" dirty="0" smtClean="0"/>
+              <a:t>, </a:t>
+            </a:r>
+            <a:r>
+              <a:rPr lang="en-US" i="1" dirty="0" smtClean="0"/>
+              <a:t>context</a:t>
+            </a:r>
+            <a:r>
+              <a:rPr lang="en-US" dirty="0" smtClean="0"/>
+              <a:t>, and </a:t>
+            </a:r>
+            <a:r>
+              <a:rPr lang="en-US" i="1" dirty="0" smtClean="0"/>
+              <a:t>structure</a:t>
+            </a:r>
+            <a:r>
+              <a:rPr lang="en-US" dirty="0" smtClean="0"/>
+              <a:t>" </a:t>
+            </a:r>
+          </a:p>
+          <a:p>
+            <a:pPr marL="0" indent="0">
+              <a:buNone/>
+            </a:pPr>
+            <a:r>
+              <a:rPr lang="en-US" dirty="0"/>
+              <a:t>	</a:t>
+            </a:r>
+            <a:r>
+              <a:rPr lang="en-US" dirty="0" smtClean="0"/>
+              <a:t>				(AAA, 2014).</a:t>
+            </a:r>
+          </a:p>
+          <a:p>
+            <a:pPr marL="0" indent="0">
+              <a:buNone/>
+            </a:pPr>
+            <a:endParaRPr lang="en-US" dirty="0" smtClean="0"/>
+          </a:p>
+          <a:p>
+            <a:r>
+              <a:rPr lang="en-US" dirty="0" smtClean="0"/>
+              <a:t>Data curation treats information objects as a “scholarly record” </a:t>
+            </a:r>
+            <a:endParaRPr lang="en-US" dirty="0"/>
+          </a:p>
+        </p:txBody>
+      </p:sp>
+    </p:spTree>
+    <p:extLst>
+      <p:ext uri="{BB962C8B-B14F-4D97-AF65-F5344CB8AC3E}">
+        <p14:creationId xmlns:p14="http://schemas.microsoft.com/office/powerpoint/2010/main" val="418604160"/>
+      </p:ext>
+    </p:extLst>
+  </p:cSld>
+  <p:clrMapOvr>
+    <a:masterClrMapping/>
+  </p:clrMapOvr>
+  <p:timing>
+    <p:tnLst>
+      <p:par>
+        <p:cTn xmlns:p14="http://schemas.microsoft.com/office/powerpoint/2010/main" id="1" dur="indefinite" restart="never" nodeType="tmRoot"/>
+      </p:par>
+    </p:tnLst>
+  </p:timing>
+</p:sld>
+</file>
+
+<file path=ppt/slides/slide8.xml><?xml version="1.0" encoding="utf-8"?>
+<p:sld xmlns:a="http://schemas.openxmlformats.org/drawingml/2006/main" xmlns:r="http://schemas.openxmlformats.org/officeDocument/2006/relationships" xmlns:p="http://schemas.openxmlformats.org/presentationml/2006/main">
+  <p:cSld>
+    <p:spTree>
+      <p:nvGrpSpPr>
+        <p:cNvPr id="1" name=""/>
+        <p:cNvGrpSpPr/>
+        <p:nvPr/>
+      </p:nvGrpSpPr>
+      <p:grpSpPr>
+        <a:xfrm>
+          <a:off x="0" y="0"/>
+          <a:ext cx="0" cy="0"/>
+          <a:chOff x="0" y="0"/>
+          <a:chExt cx="0" cy="0"/>
+        </a:xfrm>
+      </p:grpSpPr>
+      <p:sp>
+        <p:nvSpPr>
+          <p:cNvPr id="2" name="Title 1"/>
+          <p:cNvSpPr>
+            <a:spLocks noGrp="1"/>
+          </p:cNvSpPr>
+          <p:nvPr>
+            <p:ph type="title"/>
+          </p:nvPr>
+        </p:nvSpPr>
+        <p:spPr/>
+        <p:txBody>
+          <a:bodyPr/>
+          <a:lstStyle/>
+          <a:p>
+            <a:r>
+              <a:rPr lang="en-US" dirty="0">
+                <a:solidFill>
+                  <a:srgbClr val="D9D9D9"/>
+                </a:solidFill>
+              </a:rPr>
+              <a:t>Content, Context, and </a:t>
+            </a:r>
+            <a:r>
+              <a:rPr lang="en-US" dirty="0"/>
+              <a:t>Structure</a:t>
+            </a:r>
+          </a:p>
+        </p:txBody>
+      </p:sp>
+      <p:sp>
+        <p:nvSpPr>
+          <p:cNvPr id="3" name="Content Placeholder 2"/>
+          <p:cNvSpPr>
+            <a:spLocks noGrp="1"/>
+          </p:cNvSpPr>
+          <p:nvPr>
+            <p:ph idx="1"/>
+          </p:nvPr>
+        </p:nvSpPr>
+        <p:spPr/>
+        <p:txBody>
+          <a:bodyPr/>
+          <a:lstStyle/>
+          <a:p>
+            <a:r>
+              <a:rPr lang="en-US" dirty="0" smtClean="0"/>
+              <a:t>Respect “des </a:t>
+            </a:r>
+            <a:r>
+              <a:rPr lang="en-US" dirty="0" err="1" smtClean="0"/>
+              <a:t>fonds</a:t>
+            </a:r>
+            <a:r>
+              <a:rPr lang="en-US" dirty="0" smtClean="0"/>
+              <a:t>”  - original order of record keeper. </a:t>
+            </a:r>
+          </a:p>
+          <a:p>
+            <a:pPr marL="0" indent="0">
+              <a:buNone/>
+            </a:pPr>
+            <a:endParaRPr lang="en-US" dirty="0"/>
+          </a:p>
+          <a:p>
+            <a:pPr>
+              <a:buFontTx/>
+              <a:buChar char="-"/>
+            </a:pPr>
+            <a:r>
+              <a:rPr lang="en-US" dirty="0" smtClean="0"/>
+              <a:t>Important first step in </a:t>
+            </a:r>
+            <a:r>
+              <a:rPr lang="en-US" dirty="0" smtClean="0"/>
+              <a:t>a data </a:t>
+            </a:r>
+            <a:r>
+              <a:rPr lang="en-US" dirty="0" smtClean="0"/>
+              <a:t>curation process: </a:t>
+            </a:r>
+          </a:p>
+          <a:p>
+            <a:pPr lvl="1">
+              <a:buFontTx/>
+              <a:buChar char="-"/>
+            </a:pPr>
+            <a:r>
+              <a:rPr lang="en-US" dirty="0" smtClean="0"/>
+              <a:t>Define the intended goal of preservation</a:t>
+            </a:r>
+          </a:p>
+          <a:p>
+            <a:pPr lvl="1">
+              <a:buFontTx/>
+              <a:buChar char="-"/>
+            </a:pPr>
+            <a:r>
+              <a:rPr lang="en-US" dirty="0" smtClean="0"/>
+              <a:t>Access to record creator / access to potential reusers </a:t>
+            </a:r>
+          </a:p>
+        </p:txBody>
+      </p:sp>
+    </p:spTree>
+    <p:extLst>
+      <p:ext uri="{BB962C8B-B14F-4D97-AF65-F5344CB8AC3E}">
+        <p14:creationId xmlns:p14="http://schemas.microsoft.com/office/powerpoint/2010/main" val="123375141"/>
+      </p:ext>
+    </p:extLst>
+  </p:cSld>
+  <p:clrMapOvr>
+    <a:masterClrMapping/>
+  </p:clrMapOvr>
+</p:sld>
+</file>
+
+<file path=ppt/slides/slide9.xml><?xml version="1.0" encoding="utf-8"?>
 <p:sld xmlns:a="http://schemas.openxmlformats.org/drawingml/2006/main" xmlns:r="http://schemas.openxmlformats.org/officeDocument/2006/relationships" xmlns:p="http://schemas.openxmlformats.org/presentationml/2006/main">
   <p:cSld>
     <p:spTree>
@@ -5713,591 +7055,6 @@
     <p:extLst>
       <p:ext uri="{BB962C8B-B14F-4D97-AF65-F5344CB8AC3E}">
         <p14:creationId xmlns:p14="http://schemas.microsoft.com/office/powerpoint/2010/main" val="3159489039"/>
-      </p:ext>
-    </p:extLst>
-  </p:cSld>
-  <p:clrMapOvr>
-    <a:masterClrMapping/>
-  </p:clrMapOvr>
-</p:sld>
-</file>
-
-<file path=ppt/slides/slide5.xml><?xml version="1.0" encoding="utf-8"?>
-<p:sld xmlns:a="http://schemas.openxmlformats.org/drawingml/2006/main" xmlns:r="http://schemas.openxmlformats.org/officeDocument/2006/relationships" xmlns:p="http://schemas.openxmlformats.org/presentationml/2006/main">
-  <p:cSld>
-    <p:spTree>
-      <p:nvGrpSpPr>
-        <p:cNvPr id="1" name=""/>
-        <p:cNvGrpSpPr/>
-        <p:nvPr/>
-      </p:nvGrpSpPr>
-      <p:grpSpPr>
-        <a:xfrm>
-          <a:off x="0" y="0"/>
-          <a:ext cx="0" cy="0"/>
-          <a:chOff x="0" y="0"/>
-          <a:chExt cx="0" cy="0"/>
-        </a:xfrm>
-      </p:grpSpPr>
-      <p:sp>
-        <p:nvSpPr>
-          <p:cNvPr id="2" name="Title 1"/>
-          <p:cNvSpPr>
-            <a:spLocks noGrp="1"/>
-          </p:cNvSpPr>
-          <p:nvPr>
-            <p:ph type="title"/>
-          </p:nvPr>
-        </p:nvSpPr>
-        <p:spPr/>
-        <p:txBody>
-          <a:bodyPr/>
-          <a:lstStyle/>
-          <a:p>
-            <a:r>
-              <a:rPr lang="en-US" dirty="0">
-                <a:solidFill>
-                  <a:srgbClr val="D9D9D9"/>
-                </a:solidFill>
-              </a:rPr>
-              <a:t>Content, Context, and </a:t>
-            </a:r>
-            <a:r>
-              <a:rPr lang="en-US" dirty="0"/>
-              <a:t>Structure</a:t>
-            </a:r>
-          </a:p>
-        </p:txBody>
-      </p:sp>
-      <p:sp>
-        <p:nvSpPr>
-          <p:cNvPr id="3" name="Content Placeholder 2"/>
-          <p:cNvSpPr>
-            <a:spLocks noGrp="1"/>
-          </p:cNvSpPr>
-          <p:nvPr>
-            <p:ph idx="1"/>
-          </p:nvPr>
-        </p:nvSpPr>
-        <p:spPr/>
-        <p:txBody>
-          <a:bodyPr/>
-          <a:lstStyle/>
-          <a:p>
-            <a:r>
-              <a:rPr lang="en-US" dirty="0" smtClean="0"/>
-              <a:t>Respect “</a:t>
-            </a:r>
-            <a:r>
-              <a:rPr lang="en-US" dirty="0" smtClean="0"/>
-              <a:t>des </a:t>
-            </a:r>
-            <a:r>
-              <a:rPr lang="en-US" dirty="0" err="1" smtClean="0"/>
-              <a:t>fonds</a:t>
-            </a:r>
-            <a:r>
-              <a:rPr lang="en-US" dirty="0" smtClean="0"/>
-              <a:t>”  - original order of record keeper. </a:t>
-            </a:r>
-          </a:p>
-          <a:p>
-            <a:pPr marL="0" indent="0">
-              <a:buNone/>
-            </a:pPr>
-            <a:endParaRPr lang="en-US" dirty="0"/>
-          </a:p>
-          <a:p>
-            <a:pPr>
-              <a:buFontTx/>
-              <a:buChar char="-"/>
-            </a:pPr>
-            <a:r>
-              <a:rPr lang="en-US" dirty="0" smtClean="0"/>
-              <a:t>Important first step in a curation process: </a:t>
-            </a:r>
-          </a:p>
-          <a:p>
-            <a:pPr lvl="1">
-              <a:buFontTx/>
-              <a:buChar char="-"/>
-            </a:pPr>
-            <a:r>
-              <a:rPr lang="en-US" dirty="0" smtClean="0"/>
-              <a:t>Define the intended goal of preservation</a:t>
-            </a:r>
-          </a:p>
-          <a:p>
-            <a:pPr lvl="1">
-              <a:buFontTx/>
-              <a:buChar char="-"/>
-            </a:pPr>
-            <a:r>
-              <a:rPr lang="en-US" dirty="0" smtClean="0"/>
-              <a:t>Access to record creator / access to potential reusers </a:t>
-            </a:r>
-          </a:p>
-        </p:txBody>
-      </p:sp>
-    </p:spTree>
-    <p:extLst>
-      <p:ext uri="{BB962C8B-B14F-4D97-AF65-F5344CB8AC3E}">
-        <p14:creationId xmlns:p14="http://schemas.microsoft.com/office/powerpoint/2010/main" val="123375141"/>
-      </p:ext>
-    </p:extLst>
-  </p:cSld>
-  <p:clrMapOvr>
-    <a:masterClrMapping/>
-  </p:clrMapOvr>
-</p:sld>
-</file>
-
-<file path=ppt/slides/slide6.xml><?xml version="1.0" encoding="utf-8"?>
-<p:sld xmlns:a="http://schemas.openxmlformats.org/drawingml/2006/main" xmlns:r="http://schemas.openxmlformats.org/officeDocument/2006/relationships" xmlns:p="http://schemas.openxmlformats.org/presentationml/2006/main">
-  <p:cSld>
-    <p:spTree>
-      <p:nvGrpSpPr>
-        <p:cNvPr id="1" name=""/>
-        <p:cNvGrpSpPr/>
-        <p:nvPr/>
-      </p:nvGrpSpPr>
-      <p:grpSpPr>
-        <a:xfrm>
-          <a:off x="0" y="0"/>
-          <a:ext cx="0" cy="0"/>
-          <a:chOff x="0" y="0"/>
-          <a:chExt cx="0" cy="0"/>
-        </a:xfrm>
-      </p:grpSpPr>
-      <p:sp>
-        <p:nvSpPr>
-          <p:cNvPr id="2" name="Title 1"/>
-          <p:cNvSpPr>
-            <a:spLocks noGrp="1"/>
-          </p:cNvSpPr>
-          <p:nvPr>
-            <p:ph type="title"/>
-          </p:nvPr>
-        </p:nvSpPr>
-        <p:spPr/>
-        <p:txBody>
-          <a:bodyPr/>
-          <a:lstStyle/>
-          <a:p>
-            <a:r>
-              <a:rPr lang="en-US" dirty="0" smtClean="0">
-                <a:solidFill>
-                  <a:schemeClr val="bg1">
-                    <a:lumMod val="85000"/>
-                  </a:schemeClr>
-                </a:solidFill>
-              </a:rPr>
-              <a:t>Content, </a:t>
-            </a:r>
-            <a:r>
-              <a:rPr lang="en-US" dirty="0" smtClean="0"/>
-              <a:t>Context</a:t>
-            </a:r>
-            <a:r>
-              <a:rPr lang="en-US" dirty="0" smtClean="0">
-                <a:solidFill>
-                  <a:schemeClr val="bg1">
-                    <a:lumMod val="85000"/>
-                  </a:schemeClr>
-                </a:solidFill>
-              </a:rPr>
-              <a:t>, and Structure</a:t>
-            </a:r>
-            <a:endParaRPr lang="en-US" dirty="0">
-              <a:solidFill>
-                <a:schemeClr val="bg1">
-                  <a:lumMod val="85000"/>
-                </a:schemeClr>
-              </a:solidFill>
-            </a:endParaRPr>
-          </a:p>
-        </p:txBody>
-      </p:sp>
-      <p:sp>
-        <p:nvSpPr>
-          <p:cNvPr id="3" name="Content Placeholder 2"/>
-          <p:cNvSpPr>
-            <a:spLocks noGrp="1"/>
-          </p:cNvSpPr>
-          <p:nvPr>
-            <p:ph idx="1"/>
-          </p:nvPr>
-        </p:nvSpPr>
-        <p:spPr/>
-        <p:txBody>
-          <a:bodyPr>
-            <a:normAutofit fontScale="92500" lnSpcReduction="20000"/>
-          </a:bodyPr>
-          <a:lstStyle/>
-          <a:p>
-            <a:pPr marL="0" indent="0">
-              <a:buNone/>
-            </a:pPr>
-            <a:r>
-              <a:rPr lang="en-US" dirty="0" smtClean="0"/>
-              <a:t>Provenance is about the context of a records production, use, and ownership. </a:t>
-            </a:r>
-          </a:p>
-          <a:p>
-            <a:pPr marL="0" indent="0">
-              <a:buNone/>
-            </a:pPr>
-            <a:endParaRPr lang="en-US" dirty="0"/>
-          </a:p>
-          <a:p>
-            <a:pPr marL="0" indent="0">
-              <a:buNone/>
-            </a:pPr>
-            <a:r>
-              <a:rPr lang="en-US" dirty="0" smtClean="0"/>
-              <a:t>In short  “…the significance of archival materials is heavily dependent on the context of their creation, and that the arrangement and description of these materials should be directly related to their original purpose and function.”  </a:t>
-            </a:r>
-          </a:p>
-          <a:p>
-            <a:pPr marL="0" indent="0">
-              <a:buNone/>
-            </a:pPr>
-            <a:endParaRPr lang="en-US" dirty="0"/>
-          </a:p>
-          <a:p>
-            <a:pPr marL="0" indent="0">
-              <a:buNone/>
-            </a:pPr>
-            <a:r>
-              <a:rPr lang="en-US" dirty="0" smtClean="0"/>
-              <a:t>		</a:t>
-            </a:r>
-            <a:endParaRPr lang="en-US" dirty="0"/>
-          </a:p>
-        </p:txBody>
-      </p:sp>
-    </p:spTree>
-    <p:extLst>
-      <p:ext uri="{BB962C8B-B14F-4D97-AF65-F5344CB8AC3E}">
-        <p14:creationId xmlns:p14="http://schemas.microsoft.com/office/powerpoint/2010/main" val="2231054809"/>
-      </p:ext>
-    </p:extLst>
-  </p:cSld>
-  <p:clrMapOvr>
-    <a:masterClrMapping/>
-  </p:clrMapOvr>
-  <p:timing>
-    <p:tnLst>
-      <p:par>
-        <p:cTn xmlns:p14="http://schemas.microsoft.com/office/powerpoint/2010/main" id="1" dur="indefinite" restart="never" nodeType="tmRoot"/>
-      </p:par>
-    </p:tnLst>
-  </p:timing>
-</p:sld>
-</file>
-
-<file path=ppt/slides/slide7.xml><?xml version="1.0" encoding="utf-8"?>
-<p:sld xmlns:a="http://schemas.openxmlformats.org/drawingml/2006/main" xmlns:r="http://schemas.openxmlformats.org/officeDocument/2006/relationships" xmlns:p="http://schemas.openxmlformats.org/presentationml/2006/main">
-  <p:cSld>
-    <p:spTree>
-      <p:nvGrpSpPr>
-        <p:cNvPr id="1" name=""/>
-        <p:cNvGrpSpPr/>
-        <p:nvPr/>
-      </p:nvGrpSpPr>
-      <p:grpSpPr>
-        <a:xfrm>
-          <a:off x="0" y="0"/>
-          <a:ext cx="0" cy="0"/>
-          <a:chOff x="0" y="0"/>
-          <a:chExt cx="0" cy="0"/>
-        </a:xfrm>
-      </p:grpSpPr>
-      <p:sp>
-        <p:nvSpPr>
-          <p:cNvPr id="2" name="Title 1"/>
-          <p:cNvSpPr>
-            <a:spLocks noGrp="1"/>
-          </p:cNvSpPr>
-          <p:nvPr>
-            <p:ph type="title"/>
-          </p:nvPr>
-        </p:nvSpPr>
-        <p:spPr/>
-        <p:txBody>
-          <a:bodyPr/>
-          <a:lstStyle/>
-          <a:p>
-            <a:r>
-              <a:rPr lang="en-US" dirty="0" smtClean="0"/>
-              <a:t>Provenance in Data Curation</a:t>
-            </a:r>
-            <a:endParaRPr lang="en-US" dirty="0"/>
-          </a:p>
-        </p:txBody>
-      </p:sp>
-      <p:sp>
-        <p:nvSpPr>
-          <p:cNvPr id="3" name="Content Placeholder 2"/>
-          <p:cNvSpPr>
-            <a:spLocks noGrp="1"/>
-          </p:cNvSpPr>
-          <p:nvPr>
-            <p:ph idx="1"/>
-          </p:nvPr>
-        </p:nvSpPr>
-        <p:spPr/>
-        <p:txBody>
-          <a:bodyPr/>
-          <a:lstStyle/>
-          <a:p>
-            <a:pPr marL="0" indent="0">
-              <a:buNone/>
-            </a:pPr>
-            <a:r>
-              <a:rPr lang="en-US" dirty="0" smtClean="0"/>
-              <a:t>Data provenance -  a type of metadata that “pertains to the derivation history of a data product starting from its original sources.”</a:t>
-            </a:r>
-          </a:p>
-          <a:p>
-            <a:pPr marL="0" indent="0">
-              <a:buNone/>
-            </a:pPr>
-            <a:r>
-              <a:rPr lang="en-US" dirty="0" smtClean="0"/>
-              <a:t>		(</a:t>
-            </a:r>
-            <a:r>
-              <a:rPr lang="en-US" dirty="0" err="1" smtClean="0"/>
-              <a:t>Simmhan</a:t>
-            </a:r>
-            <a:r>
-              <a:rPr lang="en-US" dirty="0" smtClean="0"/>
-              <a:t> </a:t>
-            </a:r>
-            <a:r>
-              <a:rPr lang="en-US" dirty="0" err="1" smtClean="0"/>
-              <a:t>Plale</a:t>
-            </a:r>
-            <a:r>
-              <a:rPr lang="en-US" dirty="0" smtClean="0"/>
-              <a:t> and Gannon, 2005)</a:t>
-            </a:r>
-            <a:endParaRPr lang="en-US" dirty="0"/>
-          </a:p>
-          <a:p>
-            <a:pPr marL="0" indent="0">
-              <a:buNone/>
-            </a:pPr>
-            <a:endParaRPr lang="en-US" dirty="0"/>
-          </a:p>
-        </p:txBody>
-      </p:sp>
-    </p:spTree>
-    <p:extLst>
-      <p:ext uri="{BB962C8B-B14F-4D97-AF65-F5344CB8AC3E}">
-        <p14:creationId xmlns:p14="http://schemas.microsoft.com/office/powerpoint/2010/main" val="1525482423"/>
-      </p:ext>
-    </p:extLst>
-  </p:cSld>
-  <p:clrMapOvr>
-    <a:masterClrMapping/>
-  </p:clrMapOvr>
-</p:sld>
-</file>
-
-<file path=ppt/slides/slide8.xml><?xml version="1.0" encoding="utf-8"?>
-<p:sld xmlns:a="http://schemas.openxmlformats.org/drawingml/2006/main" xmlns:r="http://schemas.openxmlformats.org/officeDocument/2006/relationships" xmlns:p="http://schemas.openxmlformats.org/presentationml/2006/main">
-  <p:cSld>
-    <p:spTree>
-      <p:nvGrpSpPr>
-        <p:cNvPr id="1" name=""/>
-        <p:cNvGrpSpPr/>
-        <p:nvPr/>
-      </p:nvGrpSpPr>
-      <p:grpSpPr>
-        <a:xfrm>
-          <a:off x="0" y="0"/>
-          <a:ext cx="0" cy="0"/>
-          <a:chOff x="0" y="0"/>
-          <a:chExt cx="0" cy="0"/>
-        </a:xfrm>
-      </p:grpSpPr>
-      <p:sp>
-        <p:nvSpPr>
-          <p:cNvPr id="2" name="Title 1"/>
-          <p:cNvSpPr>
-            <a:spLocks noGrp="1"/>
-          </p:cNvSpPr>
-          <p:nvPr>
-            <p:ph type="title"/>
-          </p:nvPr>
-        </p:nvSpPr>
-        <p:spPr/>
-        <p:txBody>
-          <a:bodyPr/>
-          <a:lstStyle/>
-          <a:p>
-            <a:r>
-              <a:rPr lang="en-US" dirty="0" smtClean="0"/>
-              <a:t>Data Provenance</a:t>
-            </a:r>
-            <a:endParaRPr lang="en-US" dirty="0"/>
-          </a:p>
-        </p:txBody>
-      </p:sp>
-      <p:sp>
-        <p:nvSpPr>
-          <p:cNvPr id="3" name="Content Placeholder 2"/>
-          <p:cNvSpPr>
-            <a:spLocks noGrp="1"/>
-          </p:cNvSpPr>
-          <p:nvPr>
-            <p:ph idx="1"/>
-          </p:nvPr>
-        </p:nvSpPr>
-        <p:spPr/>
-        <p:txBody>
-          <a:bodyPr/>
-          <a:lstStyle/>
-          <a:p>
-            <a:pPr marL="0" indent="0">
-              <a:buNone/>
-            </a:pPr>
-            <a:r>
-              <a:rPr lang="en-US" dirty="0" smtClean="0"/>
-              <a:t>“…information about entities, activities, and people involved in producing a piece of data or thing, which can be used to form assessments about its quality, reliability or trustworthiness.” 	</a:t>
-            </a:r>
-            <a:r>
-              <a:rPr lang="en-US" sz="1800" dirty="0" smtClean="0"/>
-              <a:t>W3C Provenance Incubator Group</a:t>
-            </a:r>
-            <a:endParaRPr lang="en-US" sz="1800" dirty="0"/>
-          </a:p>
-        </p:txBody>
-      </p:sp>
-      <p:sp>
-        <p:nvSpPr>
-          <p:cNvPr id="4" name="Rectangle 3"/>
-          <p:cNvSpPr/>
-          <p:nvPr/>
-        </p:nvSpPr>
-        <p:spPr>
-          <a:xfrm>
-            <a:off x="7339688" y="5402131"/>
-            <a:ext cx="1531188" cy="215444"/>
-          </a:xfrm>
-          <a:prstGeom prst="rect">
-            <a:avLst/>
-          </a:prstGeom>
-        </p:spPr>
-        <p:txBody>
-          <a:bodyPr wrap="none">
-            <a:spAutoFit/>
-          </a:bodyPr>
-          <a:lstStyle/>
-          <a:p>
-            <a:r>
-              <a:rPr lang="en-US" sz="800" dirty="0" smtClean="0"/>
-              <a:t>http://www.w3.org/TR/</a:t>
-            </a:r>
-            <a:r>
-              <a:rPr lang="en-US" sz="800" dirty="0" err="1" smtClean="0"/>
-              <a:t>prov-dm</a:t>
-            </a:r>
-            <a:r>
-              <a:rPr lang="en-US" sz="800" dirty="0" smtClean="0"/>
-              <a:t>/</a:t>
-            </a:r>
-            <a:endParaRPr lang="en-US" sz="800" dirty="0"/>
-          </a:p>
-        </p:txBody>
-      </p:sp>
-    </p:spTree>
-    <p:extLst>
-      <p:ext uri="{BB962C8B-B14F-4D97-AF65-F5344CB8AC3E}">
-        <p14:creationId xmlns:p14="http://schemas.microsoft.com/office/powerpoint/2010/main" val="524810525"/>
-      </p:ext>
-    </p:extLst>
-  </p:cSld>
-  <p:clrMapOvr>
-    <a:masterClrMapping/>
-  </p:clrMapOvr>
-</p:sld>
-</file>
-
-<file path=ppt/slides/slide9.xml><?xml version="1.0" encoding="utf-8"?>
-<p:sld xmlns:a="http://schemas.openxmlformats.org/drawingml/2006/main" xmlns:r="http://schemas.openxmlformats.org/officeDocument/2006/relationships" xmlns:p="http://schemas.openxmlformats.org/presentationml/2006/main">
-  <p:cSld>
-    <p:spTree>
-      <p:nvGrpSpPr>
-        <p:cNvPr id="1" name=""/>
-        <p:cNvGrpSpPr/>
-        <p:nvPr/>
-      </p:nvGrpSpPr>
-      <p:grpSpPr>
-        <a:xfrm>
-          <a:off x="0" y="0"/>
-          <a:ext cx="0" cy="0"/>
-          <a:chOff x="0" y="0"/>
-          <a:chExt cx="0" cy="0"/>
-        </a:xfrm>
-      </p:grpSpPr>
-      <p:sp>
-        <p:nvSpPr>
-          <p:cNvPr id="2" name="Title 1"/>
-          <p:cNvSpPr>
-            <a:spLocks noGrp="1"/>
-          </p:cNvSpPr>
-          <p:nvPr>
-            <p:ph type="title"/>
-          </p:nvPr>
-        </p:nvSpPr>
-        <p:spPr/>
-        <p:txBody>
-          <a:bodyPr/>
-          <a:lstStyle/>
-          <a:p>
-            <a:r>
-              <a:rPr lang="en-US" dirty="0" err="1" smtClean="0"/>
-              <a:t>Prov</a:t>
-            </a:r>
-            <a:r>
-              <a:rPr lang="en-US" dirty="0" smtClean="0"/>
-              <a:t>-O</a:t>
-            </a:r>
-            <a:endParaRPr lang="en-US" dirty="0"/>
-          </a:p>
-        </p:txBody>
-      </p:sp>
-      <p:pic>
-        <p:nvPicPr>
-          <p:cNvPr id="5" name="Picture 4"/>
-          <p:cNvPicPr>
-            <a:picLocks noChangeAspect="1"/>
-          </p:cNvPicPr>
-          <p:nvPr/>
-        </p:nvPicPr>
-        <p:blipFill>
-          <a:blip r:embed="rId3"/>
-          <a:stretch>
-            <a:fillRect/>
-          </a:stretch>
-        </p:blipFill>
-        <p:spPr>
-          <a:xfrm>
-            <a:off x="1852706" y="1650253"/>
-            <a:ext cx="4960471" cy="3064862"/>
-          </a:xfrm>
-          <a:prstGeom prst="rect">
-            <a:avLst/>
-          </a:prstGeom>
-        </p:spPr>
-      </p:pic>
-    </p:spTree>
-    <p:extLst>
-      <p:ext uri="{BB962C8B-B14F-4D97-AF65-F5344CB8AC3E}">
-        <p14:creationId xmlns:p14="http://schemas.microsoft.com/office/powerpoint/2010/main" val="716507826"/>
       </p:ext>
     </p:extLst>
   </p:cSld>
